--- a/Presentations/05-Cloud Integration.pptx
+++ b/Presentations/05-Cloud Integration.pptx
@@ -20,7 +20,7 @@
     <p:sldId id="301" r:id="rId8"/>
     <p:sldId id="320" r:id="rId9"/>
     <p:sldId id="322" r:id="rId10"/>
-    <p:sldId id="324" r:id="rId11"/>
+    <p:sldId id="338" r:id="rId11"/>
     <p:sldId id="337" r:id="rId12"/>
     <p:sldId id="332" r:id="rId13"/>
     <p:sldId id="333" r:id="rId14"/>
@@ -216,7 +216,7 @@
           <a:p>
             <a:fld id="{464F5833-6C60-4082-AD3B-D70721FF8A39}" type="datetimeFigureOut">
               <a:rPr lang="en-US" smtClean="0"/>
-              <a:t>9/11/2015</a:t>
+              <a:t>9/29/2015</a:t>
             </a:fld>
             <a:endParaRPr lang="en-US"/>
           </a:p>
@@ -381,7 +381,7 @@
           <a:p>
             <a:fld id="{8B2A63B0-0A9F-4A15-A3C9-4160253A81CB}" type="datetimeFigureOut">
               <a:rPr lang="en-US" smtClean="0"/>
-              <a:t>9/11/2015</a:t>
+              <a:t>9/29/2015</a:t>
             </a:fld>
             <a:endParaRPr lang="en-US"/>
           </a:p>
@@ -1365,33 +1365,82 @@
         </p:nvSpPr>
         <p:spPr/>
         <p:txBody>
-          <a:bodyPr/>
+          <a:bodyPr>
+            <a:normAutofit lnSpcReduction="10000"/>
+          </a:bodyPr>
           <a:lstStyle/>
           <a:p>
             <a:r>
               <a:rPr lang="en-GB" dirty="0" smtClean="0"/>
-              <a:t>What this means for Mobile Services customers is that you have more control.</a:t>
-            </a:r>
+              <a:t>Azure App Service is a fully managed Platform as a Service (PaaS) offering for professional developers that brings a rich set of capabilities to web, mobile and integration scenarios. Mobile Apps in Azure App Service offer a highly scalable, globally available mobile application development platform for Enterprise Developers and System Integrators that brings a rich set of capabilities to mobile developers.</a:t>
+            </a:r>
+          </a:p>
+          <a:p>
+            <a:endParaRPr lang="en-GB" dirty="0" smtClean="0"/>
           </a:p>
           <a:p>
             <a:r>
               <a:rPr lang="en-GB" dirty="0" smtClean="0"/>
-              <a:t>You</a:t>
-            </a:r>
-            <a:r>
-              <a:rPr lang="en-GB" baseline="0" dirty="0" smtClean="0"/>
-              <a:t> have one billing model for all your App Services. You can manage resources so that your busy website gets more resources, while your mobile app clients which use offline sync so are not very chatty , they get less.</a:t>
-            </a:r>
-          </a:p>
-          <a:p>
-            <a:endParaRPr lang="en-GB" baseline="0" dirty="0" smtClean="0"/>
-          </a:p>
-          <a:p>
-            <a:r>
-              <a:rPr lang="en-GB" baseline="0" dirty="0" smtClean="0"/>
-              <a:t>Another important aspect of App Services is that you have a single Gateway, which is technically part of API Apps, which is used by all the components of App Services and provides a single point that handles authentication. </a:t>
-            </a:r>
-            <a:endParaRPr lang="en-GB" dirty="0" smtClean="0"/>
+              <a:t>With Mobile Apps you can:</a:t>
+            </a:r>
+          </a:p>
+          <a:p>
+            <a:pPr marL="171450" indent="-171450">
+              <a:buFont typeface="Arial" panose="020B0604020202020204" pitchFamily="34" charset="0"/>
+              <a:buChar char="•"/>
+            </a:pPr>
+            <a:r>
+              <a:rPr lang="en-GB" dirty="0" smtClean="0"/>
+              <a:t>Build native and cross platform apps - whether you're building native iOS, Android, and Windows apps or cross-platform Xamarin or Cordova (</a:t>
+            </a:r>
+            <a:r>
+              <a:rPr lang="en-GB" dirty="0" err="1" smtClean="0"/>
+              <a:t>Phonegap</a:t>
+            </a:r>
+            <a:r>
+              <a:rPr lang="en-GB" dirty="0" smtClean="0"/>
+              <a:t>) apps, you can take advantage of App Service using native SDKs.</a:t>
+            </a:r>
+          </a:p>
+          <a:p>
+            <a:pPr marL="171450" indent="-171450">
+              <a:buFont typeface="Arial" panose="020B0604020202020204" pitchFamily="34" charset="0"/>
+              <a:buChar char="•"/>
+            </a:pPr>
+            <a:r>
+              <a:rPr lang="en-GB" dirty="0" smtClean="0"/>
+              <a:t>Connect to your enterprise systems - with Mobile Apps you can add corporate sign on in minutes, and connect to your enterprise on-premises or cloud resources.</a:t>
+            </a:r>
+          </a:p>
+          <a:p>
+            <a:pPr marL="171450" indent="-171450">
+              <a:buFont typeface="Arial" panose="020B0604020202020204" pitchFamily="34" charset="0"/>
+              <a:buChar char="•"/>
+            </a:pPr>
+            <a:r>
+              <a:rPr lang="en-GB" dirty="0" smtClean="0"/>
+              <a:t>Connect to SaaS APIs easily - with more than 40 SaaS API connectors, you can easily integrate your app with SaaS APIs your enterprise uses today. Want to update account status in both CRM and the billing system? Mobile Apps offer enterprise SaaS APIs at your fingertips.</a:t>
+            </a:r>
+          </a:p>
+          <a:p>
+            <a:pPr marL="171450" indent="-171450">
+              <a:buFont typeface="Arial" panose="020B0604020202020204" pitchFamily="34" charset="0"/>
+              <a:buChar char="•"/>
+            </a:pPr>
+            <a:r>
+              <a:rPr lang="en-GB" dirty="0" smtClean="0"/>
+              <a:t>Build offline-ready apps with sync - make your mobile workforce productive by building apps that work offline and use Mobile Apps to sync data in the background when connectivity is present with any of your enterprise data sources or SaaS APIs.</a:t>
+            </a:r>
+          </a:p>
+          <a:p>
+            <a:pPr marL="171450" indent="-171450">
+              <a:buFont typeface="Arial" panose="020B0604020202020204" pitchFamily="34" charset="0"/>
+              <a:buChar char="•"/>
+            </a:pPr>
+            <a:r>
+              <a:rPr lang="en-GB" dirty="0" smtClean="0"/>
+              <a:t>Push Notifications to millions in seconds - engage your customers with instant push notifications on any device, personalized to their needs, sent when the time is right.</a:t>
+            </a:r>
           </a:p>
           <a:p>
             <a:endParaRPr lang="en-GB" dirty="0"/>
@@ -1400,12 +1449,12 @@
       </p:sp>
       <p:sp>
         <p:nvSpPr>
-          <p:cNvPr id="4" name="Header Placeholder 3"/>
+          <p:cNvPr id="4" name="Slide Number Placeholder 3"/>
           <p:cNvSpPr>
             <a:spLocks noGrp="1"/>
           </p:cNvSpPr>
           <p:nvPr>
-            <p:ph type="hdr" sz="quarter" idx="10"/>
+            <p:ph type="sldNum" sz="quarter" idx="10"/>
           </p:nvPr>
         </p:nvSpPr>
         <p:spPr/>
@@ -1413,123 +1462,18 @@
           <a:bodyPr/>
           <a:lstStyle/>
           <a:p>
-            <a:r>
-              <a:rPr lang="en-US" smtClean="0">
-                <a:latin typeface="Segoe UI" pitchFamily="34" charset="0"/>
-              </a:rPr>
-              <a:t>Build 2015</a:t>
-            </a:r>
-            <a:endParaRPr lang="en-US" dirty="0">
-              <a:latin typeface="Segoe UI" pitchFamily="34" charset="0"/>
-            </a:endParaRPr>
-          </a:p>
-        </p:txBody>
-      </p:sp>
-      <p:sp>
-        <p:nvSpPr>
-          <p:cNvPr id="5" name="Footer Placeholder 4"/>
-          <p:cNvSpPr>
-            <a:spLocks noGrp="1"/>
-          </p:cNvSpPr>
-          <p:nvPr>
-            <p:ph type="ftr" sz="quarter" idx="11"/>
-          </p:nvPr>
-        </p:nvSpPr>
-        <p:spPr/>
-        <p:txBody>
-          <a:bodyPr/>
-          <a:lstStyle/>
-          <a:p>
-            <a:pPr defTabSz="914099" eaLnBrk="0" hangingPunct="0"/>
-            <a:r>
-              <a:rPr lang="en-US" sz="400" smtClean="0">
-                <a:gradFill>
-                  <a:gsLst>
-                    <a:gs pos="0">
-                      <a:prstClr val="black"/>
-                    </a:gs>
-                    <a:gs pos="100000">
-                      <a:prstClr val="black"/>
-                    </a:gs>
-                  </a:gsLst>
-                  <a:lin ang="5400000" scaled="0"/>
-                </a:gradFill>
-                <a:latin typeface="Segoe UI" pitchFamily="34" charset="0"/>
-                <a:ea typeface="Segoe UI" pitchFamily="34" charset="0"/>
-                <a:cs typeface="Segoe UI" pitchFamily="34" charset="0"/>
-              </a:rPr>
-              <a:t>© 2015 Microsoft Corporation. All rights reserved. MICROSOFT MAKES NO WARRANTIES, EXPRESS, IMPLIED OR STATUTORY, AS TO THE INFORMATION IN THIS PRESENTATION.</a:t>
-            </a:r>
-            <a:endParaRPr lang="en-US" sz="400" dirty="0" smtClean="0">
-              <a:gradFill>
-                <a:gsLst>
-                  <a:gs pos="0">
-                    <a:prstClr val="black"/>
-                  </a:gs>
-                  <a:gs pos="100000">
-                    <a:prstClr val="black"/>
-                  </a:gs>
-                </a:gsLst>
-                <a:lin ang="5400000" scaled="0"/>
-              </a:gradFill>
-              <a:latin typeface="Segoe UI" pitchFamily="34" charset="0"/>
-              <a:ea typeface="Segoe UI" pitchFamily="34" charset="0"/>
-              <a:cs typeface="Segoe UI" pitchFamily="34" charset="0"/>
-            </a:endParaRPr>
-          </a:p>
-        </p:txBody>
-      </p:sp>
-      <p:sp>
-        <p:nvSpPr>
-          <p:cNvPr id="6" name="Date Placeholder 5"/>
-          <p:cNvSpPr>
-            <a:spLocks noGrp="1"/>
-          </p:cNvSpPr>
-          <p:nvPr>
-            <p:ph type="dt" idx="12"/>
-          </p:nvPr>
-        </p:nvSpPr>
-        <p:spPr/>
-        <p:txBody>
-          <a:bodyPr/>
-          <a:lstStyle/>
-          <a:p>
-            <a:fld id="{38EEC551-8CDA-4EB6-89BB-2A86C9F091C8}" type="datetime8">
+            <a:fld id="{3FAC0659-34C9-4BAF-A7FA-59E8DF72899F}" type="slidenum">
               <a:rPr lang="en-US" smtClean="0"/>
-              <a:t>9/11/2015 2:34 PM</a:t>
-            </a:fld>
-            <a:endParaRPr lang="en-US" dirty="0"/>
-          </a:p>
-        </p:txBody>
-      </p:sp>
-      <p:sp>
-        <p:nvSpPr>
-          <p:cNvPr id="7" name="Slide Number Placeholder 6"/>
-          <p:cNvSpPr>
-            <a:spLocks noGrp="1"/>
-          </p:cNvSpPr>
-          <p:nvPr>
-            <p:ph type="sldNum" sz="quarter" idx="13"/>
-          </p:nvPr>
-        </p:nvSpPr>
-        <p:spPr/>
-        <p:txBody>
-          <a:bodyPr/>
-          <a:lstStyle/>
-          <a:p>
-            <a:fld id="{B4008EB6-D09E-4580-8CD6-DDB14511944F}" type="slidenum">
-              <a:rPr lang="en-US" smtClean="0"/>
-              <a:pPr/>
               <a:t>7</a:t>
             </a:fld>
-            <a:endParaRPr lang="en-US" dirty="0"/>
+            <a:endParaRPr lang="en-US"/>
           </a:p>
         </p:txBody>
       </p:sp>
     </p:spTree>
     <p:extLst>
       <p:ext uri="{BB962C8B-B14F-4D97-AF65-F5344CB8AC3E}">
-        <p14:creationId xmlns:p14="http://schemas.microsoft.com/office/powerpoint/2010/main" val="3007426878"/>
+        <p14:creationId xmlns:p14="http://schemas.microsoft.com/office/powerpoint/2010/main" val="1832621245"/>
       </p:ext>
     </p:extLst>
   </p:cSld>
@@ -44510,10 +44454,6 @@
               <a:rPr lang="en-US" dirty="0" smtClean="0"/>
               <a:t>Lab:</a:t>
             </a:r>
-            <a:r>
-              <a:rPr lang="en-US" dirty="0" smtClean="0"/>
-              <a:t/>
-            </a:r>
             <a:br>
               <a:rPr lang="en-US" dirty="0" smtClean="0"/>
             </a:br>
@@ -45911,7 +45851,7 @@
             <a:effectLst/>
             <a:extLst>
               <a:ext uri="{909E8E84-426E-40dd-AFC4-6F175D3DCCD1}">
-                <a14:hiddenFill xmlns="" xmlns:a14="http://schemas.microsoft.com/office/drawing/2010/main">
+                <a14:hiddenFill xmlns:a14="http://schemas.microsoft.com/office/drawing/2010/main" xmlns="">
                   <a:solidFill>
                     <a:srgbClr val="FFFFFF"/>
                   </a:solidFill>
@@ -49901,9 +49841,1300 @@
           <a:chExt cx="0" cy="0"/>
         </a:xfrm>
       </p:grpSpPr>
+      <p:cxnSp>
+        <p:nvCxnSpPr>
+          <p:cNvPr id="28" name="Straight Connector 27"/>
+          <p:cNvCxnSpPr/>
+          <p:nvPr/>
+        </p:nvCxnSpPr>
+        <p:spPr>
+          <a:xfrm flipH="1">
+            <a:off x="3836346" y="3831809"/>
+            <a:ext cx="859487" cy="1860"/>
+          </a:xfrm>
+          <a:prstGeom prst="line">
+            <a:avLst/>
+          </a:prstGeom>
+          <a:ln w="76200">
+            <a:solidFill>
+              <a:schemeClr val="tx2">
+                <a:lumMod val="75000"/>
+              </a:schemeClr>
+            </a:solidFill>
+            <a:headEnd type="none"/>
+            <a:tailEnd type="none"/>
+          </a:ln>
+        </p:spPr>
+        <p:style>
+          <a:lnRef idx="1">
+            <a:schemeClr val="accent1"/>
+          </a:lnRef>
+          <a:fillRef idx="0">
+            <a:schemeClr val="accent1"/>
+          </a:fillRef>
+          <a:effectRef idx="0">
+            <a:schemeClr val="accent1"/>
+          </a:effectRef>
+          <a:fontRef idx="minor">
+            <a:schemeClr val="tx1"/>
+          </a:fontRef>
+        </p:style>
+      </p:cxnSp>
       <p:sp>
         <p:nvSpPr>
-          <p:cNvPr id="4" name="Title 3"/>
+          <p:cNvPr id="43" name="Rectangle 42"/>
+          <p:cNvSpPr/>
+          <p:nvPr/>
+        </p:nvSpPr>
+        <p:spPr bwMode="auto">
+          <a:xfrm>
+            <a:off x="303177" y="2008231"/>
+            <a:ext cx="2801204" cy="3965107"/>
+          </a:xfrm>
+          <a:prstGeom prst="rect">
+            <a:avLst/>
+          </a:prstGeom>
+          <a:solidFill>
+            <a:schemeClr val="tx2"/>
+          </a:solidFill>
+          <a:ln w="6350" cap="flat" cmpd="sng" algn="ctr">
+            <a:noFill/>
+            <a:prstDash val="solid"/>
+            <a:miter lim="800000"/>
+            <a:headEnd type="none" w="med" len="med"/>
+            <a:tailEnd type="none" w="med" len="med"/>
+          </a:ln>
+          <a:effectLst/>
+        </p:spPr>
+        <p:txBody>
+          <a:bodyPr rot="0" spcFirstLastPara="0" vertOverflow="overflow" horzOverflow="overflow" vert="horz" wrap="square" lIns="175711" tIns="140569" rIns="175711" bIns="140569" numCol="1" spcCol="0" rtlCol="0" fromWordArt="0" anchor="t" anchorCtr="0" forceAA="0" compatLnSpc="1">
+            <a:prstTxWarp prst="textNoShape">
+              <a:avLst/>
+            </a:prstTxWarp>
+            <a:noAutofit/>
+          </a:bodyPr>
+          <a:lstStyle/>
+          <a:p>
+            <a:pPr defTabSz="895863" fontAlgn="base">
+              <a:lnSpc>
+                <a:spcPct val="90000"/>
+              </a:lnSpc>
+              <a:spcBef>
+                <a:spcPct val="0"/>
+              </a:spcBef>
+              <a:spcAft>
+                <a:spcPct val="0"/>
+              </a:spcAft>
+              <a:defRPr/>
+            </a:pPr>
+            <a:endParaRPr lang="en-US" sz="2307" kern="0" dirty="0">
+              <a:gradFill>
+                <a:gsLst>
+                  <a:gs pos="0">
+                    <a:srgbClr val="FFFFFF"/>
+                  </a:gs>
+                  <a:gs pos="100000">
+                    <a:srgbClr val="FFFFFF"/>
+                  </a:gs>
+                </a:gsLst>
+                <a:lin ang="5400000" scaled="0"/>
+              </a:gradFill>
+              <a:ea typeface="Segoe UI" pitchFamily="34" charset="0"/>
+              <a:cs typeface="Segoe UI" pitchFamily="34" charset="0"/>
+            </a:endParaRPr>
+          </a:p>
+        </p:txBody>
+      </p:sp>
+      <p:sp>
+        <p:nvSpPr>
+          <p:cNvPr id="44" name="TextBox 43"/>
+          <p:cNvSpPr txBox="1"/>
+          <p:nvPr/>
+        </p:nvSpPr>
+        <p:spPr>
+          <a:xfrm rot="16200000">
+            <a:off x="1562362" y="3635968"/>
+            <a:ext cx="3965109" cy="709633"/>
+          </a:xfrm>
+          <a:prstGeom prst="rect">
+            <a:avLst/>
+          </a:prstGeom>
+          <a:solidFill>
+            <a:schemeClr val="tx2"/>
+          </a:solidFill>
+          <a:ln>
+            <a:noFill/>
+          </a:ln>
+        </p:spPr>
+        <p:txBody>
+          <a:bodyPr wrap="square" lIns="175711" tIns="140569" rIns="175711" bIns="140569" rtlCol="0">
+            <a:spAutoFit/>
+          </a:bodyPr>
+          <a:lstStyle/>
+          <a:p>
+            <a:pPr algn="ctr" defTabSz="896009">
+              <a:lnSpc>
+                <a:spcPct val="90000"/>
+              </a:lnSpc>
+              <a:defRPr/>
+            </a:pPr>
+            <a:r>
+              <a:rPr lang="en-US" sz="3074" kern="0" dirty="0">
+                <a:solidFill>
+                  <a:srgbClr val="404040"/>
+                </a:solidFill>
+              </a:rPr>
+              <a:t>REST API</a:t>
+            </a:r>
+          </a:p>
+        </p:txBody>
+      </p:sp>
+      <p:sp>
+        <p:nvSpPr>
+          <p:cNvPr id="49" name="TextBox 48"/>
+          <p:cNvSpPr txBox="1"/>
+          <p:nvPr/>
+        </p:nvSpPr>
+        <p:spPr>
+          <a:xfrm>
+            <a:off x="464424" y="2159543"/>
+            <a:ext cx="2501344" cy="3659923"/>
+          </a:xfrm>
+          <a:prstGeom prst="rect">
+            <a:avLst/>
+          </a:prstGeom>
+          <a:solidFill>
+            <a:schemeClr val="accent1"/>
+          </a:solidFill>
+        </p:spPr>
+        <p:txBody>
+          <a:bodyPr wrap="square" lIns="175711" tIns="140569" rIns="175711" bIns="140569" numCol="2" rtlCol="0">
+            <a:noAutofit/>
+          </a:bodyPr>
+          <a:lstStyle/>
+          <a:p>
+            <a:pPr defTabSz="896155" fontAlgn="base">
+              <a:lnSpc>
+                <a:spcPct val="90000"/>
+              </a:lnSpc>
+              <a:spcBef>
+                <a:spcPct val="0"/>
+              </a:spcBef>
+              <a:spcAft>
+                <a:spcPct val="0"/>
+              </a:spcAft>
+              <a:tabLst>
+                <a:tab pos="878501" algn="l"/>
+              </a:tabLst>
+              <a:defRPr/>
+            </a:pPr>
+            <a:endParaRPr lang="en-US" sz="1059" kern="0" dirty="0">
+              <a:solidFill>
+                <a:srgbClr val="FFFFFF"/>
+              </a:solidFill>
+            </a:endParaRPr>
+          </a:p>
+        </p:txBody>
+      </p:sp>
+      <p:pic>
+        <p:nvPicPr>
+          <p:cNvPr id="50" name="Picture 2" descr="\\MAGNUM\Projects\Microsoft\Cloud Power FY12\Design\ICONS_PNG\Devices.png"/>
+          <p:cNvPicPr>
+            <a:picLocks noChangeAspect="1" noChangeArrowheads="1"/>
+          </p:cNvPicPr>
+          <p:nvPr/>
+        </p:nvPicPr>
+        <p:blipFill>
+          <a:blip r:embed="rId3" cstate="print">
+            <a:lum bright="100000"/>
+          </a:blip>
+          <a:srcRect l="2000" t="50000" r="46000" b="4000"/>
+          <a:stretch>
+            <a:fillRect/>
+          </a:stretch>
+        </p:blipFill>
+        <p:spPr bwMode="auto">
+          <a:xfrm>
+            <a:off x="1673252" y="2372532"/>
+            <a:ext cx="754405" cy="667359"/>
+          </a:xfrm>
+          <a:prstGeom prst="rect">
+            <a:avLst/>
+          </a:prstGeom>
+          <a:noFill/>
+          <a:ln>
+            <a:noFill/>
+          </a:ln>
+        </p:spPr>
+      </p:pic>
+      <p:pic>
+        <p:nvPicPr>
+          <p:cNvPr id="51" name="Picture 50"/>
+          <p:cNvPicPr>
+            <a:picLocks noChangeAspect="1"/>
+          </p:cNvPicPr>
+          <p:nvPr/>
+        </p:nvPicPr>
+        <p:blipFill>
+          <a:blip r:embed="rId4">
+            <a:biLevel thresh="25000"/>
+          </a:blip>
+          <a:stretch>
+            <a:fillRect/>
+          </a:stretch>
+        </p:blipFill>
+        <p:spPr>
+          <a:xfrm>
+            <a:off x="992838" y="2386734"/>
+            <a:ext cx="413964" cy="583722"/>
+          </a:xfrm>
+          <a:prstGeom prst="rect">
+            <a:avLst/>
+          </a:prstGeom>
+        </p:spPr>
+      </p:pic>
+      <p:grpSp>
+        <p:nvGrpSpPr>
+          <p:cNvPr id="68" name="Group 67"/>
+          <p:cNvGrpSpPr/>
+          <p:nvPr/>
+        </p:nvGrpSpPr>
+        <p:grpSpPr>
+          <a:xfrm>
+            <a:off x="679431" y="4843071"/>
+            <a:ext cx="1748226" cy="826991"/>
+            <a:chOff x="693054" y="4939688"/>
+            <a:chExt cx="1783282" cy="843574"/>
+          </a:xfrm>
+        </p:grpSpPr>
+        <p:sp>
+          <p:nvSpPr>
+            <p:cNvPr id="53" name="TextBox 52"/>
+            <p:cNvSpPr txBox="1"/>
+            <p:nvPr/>
+          </p:nvSpPr>
+          <p:spPr>
+            <a:xfrm>
+              <a:off x="693054" y="4939688"/>
+              <a:ext cx="1419222" cy="843574"/>
+            </a:xfrm>
+            <a:prstGeom prst="rect">
+              <a:avLst/>
+            </a:prstGeom>
+            <a:noFill/>
+          </p:spPr>
+          <p:txBody>
+            <a:bodyPr wrap="square" lIns="175711" tIns="140569" rIns="175711" bIns="140569" rtlCol="0">
+              <a:spAutoFit/>
+            </a:bodyPr>
+            <a:lstStyle/>
+            <a:p>
+              <a:pPr defTabSz="896009">
+                <a:lnSpc>
+                  <a:spcPct val="90000"/>
+                </a:lnSpc>
+                <a:defRPr/>
+              </a:pPr>
+              <a:r>
+                <a:rPr lang="en-US" sz="1961" kern="0" dirty="0">
+                  <a:solidFill>
+                    <a:srgbClr val="FF8C00"/>
+                  </a:solidFill>
+                </a:rPr>
+                <a:t>Offline sync</a:t>
+              </a:r>
+            </a:p>
+          </p:txBody>
+        </p:sp>
+        <p:pic>
+          <p:nvPicPr>
+            <p:cNvPr id="54" name="Picture 53"/>
+            <p:cNvPicPr>
+              <a:picLocks noChangeAspect="1"/>
+            </p:cNvPicPr>
+            <p:nvPr/>
+          </p:nvPicPr>
+          <p:blipFill>
+            <a:blip r:embed="rId5">
+              <a:biLevel thresh="25000"/>
+            </a:blip>
+            <a:stretch>
+              <a:fillRect/>
+            </a:stretch>
+          </p:blipFill>
+          <p:spPr>
+            <a:xfrm>
+              <a:off x="1889495" y="4990719"/>
+              <a:ext cx="586841" cy="746977"/>
+            </a:xfrm>
+            <a:prstGeom prst="rect">
+              <a:avLst/>
+            </a:prstGeom>
+          </p:spPr>
+        </p:pic>
+      </p:grpSp>
+      <p:grpSp>
+        <p:nvGrpSpPr>
+          <p:cNvPr id="34" name="Group 33"/>
+          <p:cNvGrpSpPr/>
+          <p:nvPr/>
+        </p:nvGrpSpPr>
+        <p:grpSpPr>
+          <a:xfrm>
+            <a:off x="4670215" y="1382013"/>
+            <a:ext cx="7255225" cy="5210101"/>
+            <a:chOff x="3502511" y="1036292"/>
+            <a:chExt cx="5442191" cy="3908128"/>
+          </a:xfrm>
+        </p:grpSpPr>
+        <p:sp>
+          <p:nvSpPr>
+            <p:cNvPr id="3" name="Rectangle 2"/>
+            <p:cNvSpPr/>
+            <p:nvPr/>
+          </p:nvSpPr>
+          <p:spPr bwMode="auto">
+            <a:xfrm>
+              <a:off x="3502511" y="1036292"/>
+              <a:ext cx="5442191" cy="3908128"/>
+            </a:xfrm>
+            <a:prstGeom prst="rect">
+              <a:avLst/>
+            </a:prstGeom>
+            <a:solidFill>
+              <a:schemeClr val="tx2"/>
+            </a:solidFill>
+            <a:ln w="28575">
+              <a:noFill/>
+              <a:headEnd type="none" w="med" len="med"/>
+              <a:tailEnd type="none" w="med" len="med"/>
+            </a:ln>
+          </p:spPr>
+          <p:style>
+            <a:lnRef idx="2">
+              <a:schemeClr val="accent1">
+                <a:shade val="50000"/>
+              </a:schemeClr>
+            </a:lnRef>
+            <a:fillRef idx="1">
+              <a:schemeClr val="accent1"/>
+            </a:fillRef>
+            <a:effectRef idx="0">
+              <a:schemeClr val="accent1"/>
+            </a:effectRef>
+            <a:fontRef idx="minor">
+              <a:schemeClr val="lt1"/>
+            </a:fontRef>
+          </p:style>
+          <p:txBody>
+            <a:bodyPr vert="horz" wrap="square" lIns="0" tIns="45706" rIns="0" bIns="45706" numCol="1" rtlCol="0" anchor="ctr" anchorCtr="0" compatLnSpc="1">
+              <a:prstTxWarp prst="textNoShape">
+                <a:avLst/>
+              </a:prstTxWarp>
+            </a:bodyPr>
+            <a:lstStyle/>
+            <a:p>
+              <a:pPr algn="ctr" defTabSz="913867" fontAlgn="base">
+                <a:spcBef>
+                  <a:spcPct val="0"/>
+                </a:spcBef>
+                <a:spcAft>
+                  <a:spcPct val="0"/>
+                </a:spcAft>
+              </a:pPr>
+              <a:endParaRPr lang="en-US" sz="1961" dirty="0">
+                <a:gradFill>
+                  <a:gsLst>
+                    <a:gs pos="0">
+                      <a:srgbClr val="FFFFFF"/>
+                    </a:gs>
+                    <a:gs pos="100000">
+                      <a:srgbClr val="FFFFFF"/>
+                    </a:gs>
+                  </a:gsLst>
+                  <a:lin ang="5400000" scaled="0"/>
+                </a:gradFill>
+              </a:endParaRPr>
+            </a:p>
+          </p:txBody>
+        </p:sp>
+        <p:sp>
+          <p:nvSpPr>
+            <p:cNvPr id="5" name="TextBox 4"/>
+            <p:cNvSpPr txBox="1"/>
+            <p:nvPr/>
+          </p:nvSpPr>
+          <p:spPr>
+            <a:xfrm>
+              <a:off x="3618803" y="3692317"/>
+              <a:ext cx="3954009" cy="1171437"/>
+            </a:xfrm>
+            <a:prstGeom prst="rect">
+              <a:avLst/>
+            </a:prstGeom>
+            <a:solidFill>
+              <a:schemeClr val="accent1"/>
+            </a:solidFill>
+          </p:spPr>
+          <p:txBody>
+            <a:bodyPr wrap="square" lIns="175711" tIns="140569" rIns="175711" bIns="140569" rtlCol="0">
+              <a:spAutoFit/>
+            </a:bodyPr>
+            <a:lstStyle/>
+            <a:p>
+              <a:pPr defTabSz="896155" fontAlgn="base">
+                <a:lnSpc>
+                  <a:spcPct val="90000"/>
+                </a:lnSpc>
+                <a:spcBef>
+                  <a:spcPct val="0"/>
+                </a:spcBef>
+                <a:spcAft>
+                  <a:spcPct val="0"/>
+                </a:spcAft>
+                <a:tabLst>
+                  <a:tab pos="878501" algn="l"/>
+                </a:tabLst>
+                <a:defRPr/>
+              </a:pPr>
+              <a:r>
+                <a:rPr lang="en-US" sz="2353" kern="0" dirty="0">
+                  <a:gradFill>
+                    <a:gsLst>
+                      <a:gs pos="0">
+                        <a:srgbClr val="FFFFFF"/>
+                      </a:gs>
+                      <a:gs pos="100000">
+                        <a:srgbClr val="FFFFFF"/>
+                      </a:gs>
+                    </a:gsLst>
+                    <a:lin ang="5400000" scaled="0"/>
+                  </a:gradFill>
+                  <a:latin typeface="Segoe UI Light"/>
+                  <a:ea typeface="Segoe UI" pitchFamily="34" charset="0"/>
+                  <a:cs typeface="Segoe UI" pitchFamily="34" charset="0"/>
+                </a:rPr>
+                <a:t>Push Notifications</a:t>
+              </a:r>
+            </a:p>
+            <a:p>
+              <a:pPr defTabSz="896155" fontAlgn="base">
+                <a:lnSpc>
+                  <a:spcPct val="90000"/>
+                </a:lnSpc>
+                <a:spcBef>
+                  <a:spcPct val="0"/>
+                </a:spcBef>
+                <a:spcAft>
+                  <a:spcPct val="0"/>
+                </a:spcAft>
+                <a:tabLst>
+                  <a:tab pos="878501" algn="l"/>
+                </a:tabLst>
+                <a:defRPr/>
+              </a:pPr>
+              <a:endParaRPr lang="en-US" sz="2307" kern="0" dirty="0">
+                <a:gradFill>
+                  <a:gsLst>
+                    <a:gs pos="0">
+                      <a:srgbClr val="FFFFFF"/>
+                    </a:gs>
+                    <a:gs pos="100000">
+                      <a:srgbClr val="FFFFFF"/>
+                    </a:gs>
+                  </a:gsLst>
+                  <a:lin ang="5400000" scaled="0"/>
+                </a:gradFill>
+                <a:ea typeface="Segoe UI" pitchFamily="34" charset="0"/>
+                <a:cs typeface="Segoe UI" pitchFamily="34" charset="0"/>
+              </a:endParaRPr>
+            </a:p>
+            <a:p>
+              <a:pPr defTabSz="896155" fontAlgn="base">
+                <a:lnSpc>
+                  <a:spcPct val="90000"/>
+                </a:lnSpc>
+                <a:spcBef>
+                  <a:spcPct val="0"/>
+                </a:spcBef>
+                <a:spcAft>
+                  <a:spcPct val="0"/>
+                </a:spcAft>
+                <a:tabLst>
+                  <a:tab pos="878501" algn="l"/>
+                </a:tabLst>
+                <a:defRPr/>
+              </a:pPr>
+              <a:endParaRPr lang="en-US" sz="2307" kern="0" dirty="0">
+                <a:gradFill>
+                  <a:gsLst>
+                    <a:gs pos="0">
+                      <a:srgbClr val="FFFFFF"/>
+                    </a:gs>
+                    <a:gs pos="100000">
+                      <a:srgbClr val="FFFFFF"/>
+                    </a:gs>
+                  </a:gsLst>
+                  <a:lin ang="5400000" scaled="0"/>
+                </a:gradFill>
+                <a:ea typeface="Segoe UI" pitchFamily="34" charset="0"/>
+                <a:cs typeface="Segoe UI" pitchFamily="34" charset="0"/>
+              </a:endParaRPr>
+            </a:p>
+            <a:p>
+              <a:pPr defTabSz="896155" fontAlgn="base">
+                <a:lnSpc>
+                  <a:spcPct val="90000"/>
+                </a:lnSpc>
+                <a:spcBef>
+                  <a:spcPct val="0"/>
+                </a:spcBef>
+                <a:spcAft>
+                  <a:spcPct val="0"/>
+                </a:spcAft>
+                <a:tabLst>
+                  <a:tab pos="878501" algn="l"/>
+                </a:tabLst>
+                <a:defRPr/>
+              </a:pPr>
+              <a:endParaRPr lang="en-US" sz="2307" kern="0" dirty="0">
+                <a:gradFill>
+                  <a:gsLst>
+                    <a:gs pos="0">
+                      <a:srgbClr val="FFFFFF"/>
+                    </a:gs>
+                    <a:gs pos="100000">
+                      <a:srgbClr val="FFFFFF"/>
+                    </a:gs>
+                  </a:gsLst>
+                  <a:lin ang="5400000" scaled="0"/>
+                </a:gradFill>
+                <a:ea typeface="Segoe UI" pitchFamily="34" charset="0"/>
+                <a:cs typeface="Segoe UI" pitchFamily="34" charset="0"/>
+              </a:endParaRPr>
+            </a:p>
+          </p:txBody>
+        </p:sp>
+        <p:sp>
+          <p:nvSpPr>
+            <p:cNvPr id="6" name="TextBox 5"/>
+            <p:cNvSpPr txBox="1"/>
+            <p:nvPr/>
+          </p:nvSpPr>
+          <p:spPr>
+            <a:xfrm>
+              <a:off x="5101008" y="1118667"/>
+              <a:ext cx="2471803" cy="1171437"/>
+            </a:xfrm>
+            <a:prstGeom prst="rect">
+              <a:avLst/>
+            </a:prstGeom>
+            <a:solidFill>
+              <a:schemeClr val="accent1"/>
+            </a:solidFill>
+          </p:spPr>
+          <p:txBody>
+            <a:bodyPr wrap="square" lIns="175711" tIns="140569" rIns="175711" bIns="140569" rtlCol="0">
+              <a:spAutoFit/>
+            </a:bodyPr>
+            <a:lstStyle/>
+            <a:p>
+              <a:pPr defTabSz="896155" fontAlgn="base">
+                <a:lnSpc>
+                  <a:spcPct val="90000"/>
+                </a:lnSpc>
+                <a:spcBef>
+                  <a:spcPct val="0"/>
+                </a:spcBef>
+                <a:spcAft>
+                  <a:spcPct val="0"/>
+                </a:spcAft>
+                <a:tabLst>
+                  <a:tab pos="878501" algn="l"/>
+                </a:tabLst>
+                <a:defRPr/>
+              </a:pPr>
+              <a:r>
+                <a:rPr lang="en-US" sz="2353" kern="0" dirty="0">
+                  <a:gradFill>
+                    <a:gsLst>
+                      <a:gs pos="0">
+                        <a:srgbClr val="FFFFFF"/>
+                      </a:gs>
+                      <a:gs pos="100000">
+                        <a:srgbClr val="FFFFFF"/>
+                      </a:gs>
+                    </a:gsLst>
+                    <a:lin ang="5400000" scaled="0"/>
+                  </a:gradFill>
+                  <a:latin typeface="Segoe UI Light"/>
+                  <a:ea typeface="Segoe UI" pitchFamily="34" charset="0"/>
+                  <a:cs typeface="Segoe UI" pitchFamily="34" charset="0"/>
+                </a:rPr>
+                <a:t>Data</a:t>
+              </a:r>
+              <a:r>
+                <a:rPr lang="en-US" sz="2353" kern="0" dirty="0">
+                  <a:gradFill>
+                    <a:gsLst>
+                      <a:gs pos="0">
+                        <a:srgbClr val="FFFFFF"/>
+                      </a:gs>
+                      <a:gs pos="100000">
+                        <a:srgbClr val="FFFFFF"/>
+                      </a:gs>
+                    </a:gsLst>
+                    <a:lin ang="5400000" scaled="0"/>
+                  </a:gradFill>
+                  <a:latin typeface="Segoe UI Light"/>
+                  <a:ea typeface="Segoe UI" pitchFamily="34" charset="0"/>
+                  <a:cs typeface="Segoe UI" pitchFamily="34" charset="0"/>
+                </a:rPr>
+                <a:t> connections</a:t>
+              </a:r>
+              <a:endParaRPr lang="en-US" sz="2353" kern="0" dirty="0">
+                <a:gradFill>
+                  <a:gsLst>
+                    <a:gs pos="0">
+                      <a:srgbClr val="FFFFFF"/>
+                    </a:gs>
+                    <a:gs pos="100000">
+                      <a:srgbClr val="FFFFFF"/>
+                    </a:gs>
+                  </a:gsLst>
+                  <a:lin ang="5400000" scaled="0"/>
+                </a:gradFill>
+                <a:latin typeface="Segoe UI Light"/>
+                <a:ea typeface="Segoe UI" pitchFamily="34" charset="0"/>
+                <a:cs typeface="Segoe UI" pitchFamily="34" charset="0"/>
+              </a:endParaRPr>
+            </a:p>
+            <a:p>
+              <a:pPr defTabSz="896155" fontAlgn="base">
+                <a:lnSpc>
+                  <a:spcPct val="90000"/>
+                </a:lnSpc>
+                <a:spcBef>
+                  <a:spcPct val="0"/>
+                </a:spcBef>
+                <a:spcAft>
+                  <a:spcPct val="0"/>
+                </a:spcAft>
+                <a:tabLst>
+                  <a:tab pos="878501" algn="l"/>
+                </a:tabLst>
+                <a:defRPr/>
+              </a:pPr>
+              <a:endParaRPr lang="en-US" sz="2307" kern="0" dirty="0">
+                <a:gradFill>
+                  <a:gsLst>
+                    <a:gs pos="0">
+                      <a:srgbClr val="FFFFFF"/>
+                    </a:gs>
+                    <a:gs pos="100000">
+                      <a:srgbClr val="FFFFFF"/>
+                    </a:gs>
+                  </a:gsLst>
+                  <a:lin ang="5400000" scaled="0"/>
+                </a:gradFill>
+                <a:ea typeface="Segoe UI" pitchFamily="34" charset="0"/>
+                <a:cs typeface="Segoe UI" pitchFamily="34" charset="0"/>
+              </a:endParaRPr>
+            </a:p>
+            <a:p>
+              <a:pPr defTabSz="896155" fontAlgn="base">
+                <a:lnSpc>
+                  <a:spcPct val="90000"/>
+                </a:lnSpc>
+                <a:spcBef>
+                  <a:spcPct val="0"/>
+                </a:spcBef>
+                <a:spcAft>
+                  <a:spcPct val="0"/>
+                </a:spcAft>
+                <a:tabLst>
+                  <a:tab pos="878501" algn="l"/>
+                </a:tabLst>
+                <a:defRPr/>
+              </a:pPr>
+              <a:endParaRPr lang="en-US" sz="2307" kern="0" dirty="0">
+                <a:gradFill>
+                  <a:gsLst>
+                    <a:gs pos="0">
+                      <a:srgbClr val="FFFFFF"/>
+                    </a:gs>
+                    <a:gs pos="100000">
+                      <a:srgbClr val="FFFFFF"/>
+                    </a:gs>
+                  </a:gsLst>
+                  <a:lin ang="5400000" scaled="0"/>
+                </a:gradFill>
+                <a:ea typeface="Segoe UI" pitchFamily="34" charset="0"/>
+                <a:cs typeface="Segoe UI" pitchFamily="34" charset="0"/>
+              </a:endParaRPr>
+            </a:p>
+            <a:p>
+              <a:pPr defTabSz="896155" fontAlgn="base">
+                <a:lnSpc>
+                  <a:spcPct val="90000"/>
+                </a:lnSpc>
+                <a:spcBef>
+                  <a:spcPct val="0"/>
+                </a:spcBef>
+                <a:spcAft>
+                  <a:spcPct val="0"/>
+                </a:spcAft>
+                <a:tabLst>
+                  <a:tab pos="878501" algn="l"/>
+                </a:tabLst>
+                <a:defRPr/>
+              </a:pPr>
+              <a:endParaRPr lang="en-US" sz="2307" kern="0" dirty="0">
+                <a:gradFill>
+                  <a:gsLst>
+                    <a:gs pos="0">
+                      <a:srgbClr val="FFFFFF"/>
+                    </a:gs>
+                    <a:gs pos="100000">
+                      <a:srgbClr val="FFFFFF"/>
+                    </a:gs>
+                  </a:gsLst>
+                  <a:lin ang="5400000" scaled="0"/>
+                </a:gradFill>
+                <a:ea typeface="Segoe UI" pitchFamily="34" charset="0"/>
+                <a:cs typeface="Segoe UI" pitchFamily="34" charset="0"/>
+              </a:endParaRPr>
+            </a:p>
+          </p:txBody>
+        </p:sp>
+        <p:sp>
+          <p:nvSpPr>
+            <p:cNvPr id="7" name="TextBox 6"/>
+            <p:cNvSpPr txBox="1"/>
+            <p:nvPr/>
+          </p:nvSpPr>
+          <p:spPr>
+            <a:xfrm>
+              <a:off x="3618803" y="2408202"/>
+              <a:ext cx="3954010" cy="1171437"/>
+            </a:xfrm>
+            <a:prstGeom prst="rect">
+              <a:avLst/>
+            </a:prstGeom>
+            <a:solidFill>
+              <a:schemeClr val="accent1"/>
+            </a:solidFill>
+          </p:spPr>
+          <p:txBody>
+            <a:bodyPr wrap="square" lIns="175711" tIns="140569" rIns="175711" bIns="140569" rtlCol="0">
+              <a:spAutoFit/>
+            </a:bodyPr>
+            <a:lstStyle/>
+            <a:p>
+              <a:pPr defTabSz="896155" fontAlgn="base">
+                <a:lnSpc>
+                  <a:spcPct val="90000"/>
+                </a:lnSpc>
+                <a:spcBef>
+                  <a:spcPct val="0"/>
+                </a:spcBef>
+                <a:spcAft>
+                  <a:spcPct val="0"/>
+                </a:spcAft>
+                <a:tabLst>
+                  <a:tab pos="878501" algn="l"/>
+                </a:tabLst>
+                <a:defRPr/>
+              </a:pPr>
+              <a:r>
+                <a:rPr lang="en-US" sz="2353" kern="0" dirty="0">
+                  <a:gradFill>
+                    <a:gsLst>
+                      <a:gs pos="0">
+                        <a:srgbClr val="FFFFFF"/>
+                      </a:gs>
+                      <a:gs pos="100000">
+                        <a:srgbClr val="FFFFFF"/>
+                      </a:gs>
+                    </a:gsLst>
+                    <a:lin ang="5400000" scaled="0"/>
+                  </a:gradFill>
+                  <a:latin typeface="Segoe UI Light"/>
+                  <a:ea typeface="Segoe UI" pitchFamily="34" charset="0"/>
+                  <a:cs typeface="Segoe UI" pitchFamily="34" charset="0"/>
+                </a:rPr>
+                <a:t>User Authentication</a:t>
+              </a:r>
+            </a:p>
+            <a:p>
+              <a:pPr defTabSz="896155" fontAlgn="base">
+                <a:lnSpc>
+                  <a:spcPct val="90000"/>
+                </a:lnSpc>
+                <a:spcBef>
+                  <a:spcPct val="0"/>
+                </a:spcBef>
+                <a:spcAft>
+                  <a:spcPct val="0"/>
+                </a:spcAft>
+                <a:tabLst>
+                  <a:tab pos="878501" algn="l"/>
+                </a:tabLst>
+                <a:defRPr/>
+              </a:pPr>
+              <a:endParaRPr lang="en-US" sz="2307" kern="0" dirty="0">
+                <a:gradFill>
+                  <a:gsLst>
+                    <a:gs pos="0">
+                      <a:srgbClr val="FFFFFF"/>
+                    </a:gs>
+                    <a:gs pos="100000">
+                      <a:srgbClr val="FFFFFF"/>
+                    </a:gs>
+                  </a:gsLst>
+                  <a:lin ang="5400000" scaled="0"/>
+                </a:gradFill>
+                <a:ea typeface="Segoe UI" pitchFamily="34" charset="0"/>
+                <a:cs typeface="Segoe UI" pitchFamily="34" charset="0"/>
+              </a:endParaRPr>
+            </a:p>
+            <a:p>
+              <a:pPr defTabSz="896155" fontAlgn="base">
+                <a:lnSpc>
+                  <a:spcPct val="90000"/>
+                </a:lnSpc>
+                <a:spcBef>
+                  <a:spcPct val="0"/>
+                </a:spcBef>
+                <a:spcAft>
+                  <a:spcPct val="0"/>
+                </a:spcAft>
+                <a:tabLst>
+                  <a:tab pos="878501" algn="l"/>
+                </a:tabLst>
+                <a:defRPr/>
+              </a:pPr>
+              <a:endParaRPr lang="en-US" sz="2307" kern="0" dirty="0">
+                <a:gradFill>
+                  <a:gsLst>
+                    <a:gs pos="0">
+                      <a:srgbClr val="FFFFFF"/>
+                    </a:gs>
+                    <a:gs pos="100000">
+                      <a:srgbClr val="FFFFFF"/>
+                    </a:gs>
+                  </a:gsLst>
+                  <a:lin ang="5400000" scaled="0"/>
+                </a:gradFill>
+                <a:ea typeface="Segoe UI" pitchFamily="34" charset="0"/>
+                <a:cs typeface="Segoe UI" pitchFamily="34" charset="0"/>
+              </a:endParaRPr>
+            </a:p>
+            <a:p>
+              <a:pPr defTabSz="896155" fontAlgn="base">
+                <a:lnSpc>
+                  <a:spcPct val="90000"/>
+                </a:lnSpc>
+                <a:spcBef>
+                  <a:spcPct val="0"/>
+                </a:spcBef>
+                <a:spcAft>
+                  <a:spcPct val="0"/>
+                </a:spcAft>
+                <a:tabLst>
+                  <a:tab pos="878501" algn="l"/>
+                </a:tabLst>
+                <a:defRPr/>
+              </a:pPr>
+              <a:endParaRPr lang="en-US" sz="2307" kern="0" dirty="0">
+                <a:gradFill>
+                  <a:gsLst>
+                    <a:gs pos="0">
+                      <a:srgbClr val="FFFFFF"/>
+                    </a:gs>
+                    <a:gs pos="100000">
+                      <a:srgbClr val="FFFFFF"/>
+                    </a:gs>
+                  </a:gsLst>
+                  <a:lin ang="5400000" scaled="0"/>
+                </a:gradFill>
+                <a:ea typeface="Segoe UI" pitchFamily="34" charset="0"/>
+                <a:cs typeface="Segoe UI" pitchFamily="34" charset="0"/>
+              </a:endParaRPr>
+            </a:p>
+          </p:txBody>
+        </p:sp>
+        <p:sp>
+          <p:nvSpPr>
+            <p:cNvPr id="11" name="Rectangle 10"/>
+            <p:cNvSpPr/>
+            <p:nvPr/>
+          </p:nvSpPr>
+          <p:spPr bwMode="auto">
+            <a:xfrm>
+              <a:off x="7704613" y="1117609"/>
+              <a:ext cx="1120303" cy="3746142"/>
+            </a:xfrm>
+            <a:prstGeom prst="rect">
+              <a:avLst/>
+            </a:prstGeom>
+            <a:solidFill>
+              <a:srgbClr val="92D050"/>
+            </a:solidFill>
+            <a:ln w="6350" cap="flat" cmpd="sng" algn="ctr">
+              <a:noFill/>
+              <a:prstDash val="solid"/>
+              <a:miter lim="800000"/>
+              <a:headEnd type="none" w="med" len="med"/>
+              <a:tailEnd type="none" w="med" len="med"/>
+            </a:ln>
+            <a:effectLst/>
+          </p:spPr>
+          <p:txBody>
+            <a:bodyPr rot="0" spcFirstLastPara="0" vertOverflow="overflow" horzOverflow="overflow" vert="horz" wrap="square" lIns="175711" tIns="140569" rIns="175711" bIns="140569" numCol="1" spcCol="0" rtlCol="0" fromWordArt="0" anchor="t" anchorCtr="0" forceAA="0" compatLnSpc="1">
+              <a:prstTxWarp prst="textNoShape">
+                <a:avLst/>
+              </a:prstTxWarp>
+              <a:noAutofit/>
+            </a:bodyPr>
+            <a:lstStyle/>
+            <a:p>
+              <a:pPr defTabSz="895863" fontAlgn="base">
+                <a:lnSpc>
+                  <a:spcPct val="90000"/>
+                </a:lnSpc>
+                <a:spcBef>
+                  <a:spcPct val="0"/>
+                </a:spcBef>
+                <a:spcAft>
+                  <a:spcPct val="0"/>
+                </a:spcAft>
+                <a:defRPr/>
+              </a:pPr>
+              <a:endParaRPr lang="en-US" sz="2307" kern="0" dirty="0">
+                <a:solidFill>
+                  <a:srgbClr val="404040"/>
+                </a:solidFill>
+                <a:latin typeface="Segoe UI Light"/>
+                <a:ea typeface="Segoe UI" pitchFamily="34" charset="0"/>
+                <a:cs typeface="Segoe UI" pitchFamily="34" charset="0"/>
+              </a:endParaRPr>
+            </a:p>
+          </p:txBody>
+        </p:sp>
+        <p:pic>
+          <p:nvPicPr>
+            <p:cNvPr id="29" name="Picture 28"/>
+            <p:cNvPicPr>
+              <a:picLocks noChangeAspect="1"/>
+            </p:cNvPicPr>
+            <p:nvPr/>
+          </p:nvPicPr>
+          <p:blipFill>
+            <a:blip r:embed="rId6" cstate="print">
+              <a:extLst>
+                <a:ext uri="{28A0092B-C50C-407E-A947-70E740481C1C}">
+                  <a14:useLocalDpi xmlns:a14="http://schemas.microsoft.com/office/drawing/2010/main" val="0"/>
+                </a:ext>
+              </a:extLst>
+            </a:blip>
+            <a:stretch>
+              <a:fillRect/>
+            </a:stretch>
+          </p:blipFill>
+          <p:spPr>
+            <a:xfrm>
+              <a:off x="6239515" y="2839291"/>
+              <a:ext cx="233673" cy="351563"/>
+            </a:xfrm>
+            <a:prstGeom prst="rect">
+              <a:avLst/>
+            </a:prstGeom>
+          </p:spPr>
+        </p:pic>
+        <p:pic>
+          <p:nvPicPr>
+            <p:cNvPr id="30" name="Picture 29"/>
+            <p:cNvPicPr>
+              <a:picLocks noChangeAspect="1"/>
+            </p:cNvPicPr>
+            <p:nvPr/>
+          </p:nvPicPr>
+          <p:blipFill>
+            <a:blip r:embed="rId7" cstate="print">
+              <a:extLst>
+                <a:ext uri="{28A0092B-C50C-407E-A947-70E740481C1C}">
+                  <a14:useLocalDpi xmlns:a14="http://schemas.microsoft.com/office/drawing/2010/main" val="0"/>
+                </a:ext>
+              </a:extLst>
+            </a:blip>
+            <a:stretch>
+              <a:fillRect/>
+            </a:stretch>
+          </p:blipFill>
+          <p:spPr bwMode="gray">
+            <a:xfrm>
+              <a:off x="3993880" y="2850055"/>
+              <a:ext cx="352415" cy="351128"/>
+            </a:xfrm>
+            <a:prstGeom prst="rect">
+              <a:avLst/>
+            </a:prstGeom>
+          </p:spPr>
+        </p:pic>
+        <p:pic>
+          <p:nvPicPr>
+            <p:cNvPr id="35" name="Picture 34"/>
+            <p:cNvPicPr>
+              <a:picLocks noChangeAspect="1"/>
+            </p:cNvPicPr>
+            <p:nvPr/>
+          </p:nvPicPr>
+          <p:blipFill>
+            <a:blip r:embed="rId8"/>
+            <a:stretch>
+              <a:fillRect/>
+            </a:stretch>
+          </p:blipFill>
+          <p:spPr>
+            <a:xfrm>
+              <a:off x="6823789" y="2785955"/>
+              <a:ext cx="395406" cy="420118"/>
+            </a:xfrm>
+            <a:prstGeom prst="rect">
+              <a:avLst/>
+            </a:prstGeom>
+          </p:spPr>
+        </p:pic>
+        <p:sp>
+          <p:nvSpPr>
+            <p:cNvPr id="36" name="TextBox 35"/>
+            <p:cNvSpPr txBox="1"/>
+            <p:nvPr/>
+          </p:nvSpPr>
+          <p:spPr>
+            <a:xfrm>
+              <a:off x="3811455" y="3201062"/>
+              <a:ext cx="724901" cy="322712"/>
+            </a:xfrm>
+            <a:prstGeom prst="rect">
+              <a:avLst/>
+            </a:prstGeom>
+            <a:noFill/>
+          </p:spPr>
+          <p:txBody>
+            <a:bodyPr wrap="square" lIns="175711" tIns="140569" rIns="175711" bIns="140569" rtlCol="0">
+              <a:spAutoFit/>
+            </a:bodyPr>
+            <a:lstStyle/>
+            <a:p>
+              <a:pPr algn="ctr" defTabSz="896009">
+                <a:lnSpc>
+                  <a:spcPct val="90000"/>
+                </a:lnSpc>
+              </a:pPr>
+              <a:r>
+                <a:rPr lang="en-US" sz="1057" dirty="0">
+                  <a:solidFill>
+                    <a:srgbClr val="FFFFFF"/>
+                  </a:solidFill>
+                </a:rPr>
+                <a:t>Facebook</a:t>
+              </a:r>
+            </a:p>
+          </p:txBody>
+        </p:sp>
+        <p:sp>
+          <p:nvSpPr>
+            <p:cNvPr id="37" name="TextBox 36"/>
+            <p:cNvSpPr txBox="1"/>
+            <p:nvPr/>
+          </p:nvSpPr>
+          <p:spPr>
+            <a:xfrm>
+              <a:off x="4572885" y="3200367"/>
+              <a:ext cx="659001" cy="322712"/>
+            </a:xfrm>
+            <a:prstGeom prst="rect">
+              <a:avLst/>
+            </a:prstGeom>
+            <a:noFill/>
+          </p:spPr>
+          <p:txBody>
+            <a:bodyPr wrap="square" lIns="175711" tIns="140569" rIns="175711" bIns="140569" rtlCol="0">
+              <a:spAutoFit/>
+            </a:bodyPr>
+            <a:lstStyle/>
+            <a:p>
+              <a:pPr algn="ctr" defTabSz="896009">
+                <a:lnSpc>
+                  <a:spcPct val="90000"/>
+                </a:lnSpc>
+              </a:pPr>
+              <a:r>
+                <a:rPr lang="en-US" sz="1057" dirty="0">
+                  <a:solidFill>
+                    <a:srgbClr val="FFFFFF"/>
+                  </a:solidFill>
+                </a:rPr>
+                <a:t>Twitter</a:t>
+              </a:r>
+            </a:p>
+          </p:txBody>
+        </p:sp>
+        <p:sp>
+          <p:nvSpPr>
+            <p:cNvPr id="38" name="TextBox 37"/>
+            <p:cNvSpPr txBox="1"/>
+            <p:nvPr/>
+          </p:nvSpPr>
+          <p:spPr>
+            <a:xfrm>
+              <a:off x="5327301" y="3209340"/>
+              <a:ext cx="724902" cy="322712"/>
+            </a:xfrm>
+            <a:prstGeom prst="rect">
+              <a:avLst/>
+            </a:prstGeom>
+            <a:noFill/>
+          </p:spPr>
+          <p:txBody>
+            <a:bodyPr wrap="square" lIns="175711" tIns="140569" rIns="175711" bIns="140569" rtlCol="0">
+              <a:spAutoFit/>
+            </a:bodyPr>
+            <a:lstStyle/>
+            <a:p>
+              <a:pPr algn="ctr" defTabSz="896009">
+                <a:lnSpc>
+                  <a:spcPct val="90000"/>
+                </a:lnSpc>
+              </a:pPr>
+              <a:r>
+                <a:rPr lang="en-US" sz="1057" dirty="0">
+                  <a:solidFill>
+                    <a:srgbClr val="FFFFFF"/>
+                  </a:solidFill>
+                </a:rPr>
+                <a:t>Microsoft</a:t>
+              </a:r>
+            </a:p>
+          </p:txBody>
+        </p:sp>
+        <p:sp>
+          <p:nvSpPr>
+            <p:cNvPr id="39" name="TextBox 38"/>
+            <p:cNvSpPr txBox="1"/>
+            <p:nvPr/>
+          </p:nvSpPr>
+          <p:spPr>
+            <a:xfrm>
+              <a:off x="6052201" y="3204038"/>
+              <a:ext cx="593102" cy="322712"/>
+            </a:xfrm>
+            <a:prstGeom prst="rect">
+              <a:avLst/>
+            </a:prstGeom>
+            <a:noFill/>
+          </p:spPr>
+          <p:txBody>
+            <a:bodyPr wrap="square" lIns="175711" tIns="140569" rIns="175711" bIns="140569" rtlCol="0">
+              <a:spAutoFit/>
+            </a:bodyPr>
+            <a:lstStyle/>
+            <a:p>
+              <a:pPr algn="ctr" defTabSz="896009">
+                <a:lnSpc>
+                  <a:spcPct val="90000"/>
+                </a:lnSpc>
+              </a:pPr>
+              <a:r>
+                <a:rPr lang="en-US" sz="1057" dirty="0">
+                  <a:solidFill>
+                    <a:srgbClr val="FFFFFF"/>
+                  </a:solidFill>
+                </a:rPr>
+                <a:t>Google</a:t>
+              </a:r>
+            </a:p>
+          </p:txBody>
+        </p:sp>
+        <p:sp>
+          <p:nvSpPr>
+            <p:cNvPr id="40" name="TextBox 39"/>
+            <p:cNvSpPr txBox="1"/>
+            <p:nvPr/>
+          </p:nvSpPr>
+          <p:spPr>
+            <a:xfrm>
+              <a:off x="6617120" y="3206072"/>
+              <a:ext cx="819127" cy="432480"/>
+            </a:xfrm>
+            <a:prstGeom prst="rect">
+              <a:avLst/>
+            </a:prstGeom>
+            <a:noFill/>
+          </p:spPr>
+          <p:txBody>
+            <a:bodyPr wrap="square" lIns="175711" tIns="140569" rIns="175711" bIns="140569" rtlCol="0">
+              <a:spAutoFit/>
+            </a:bodyPr>
+            <a:lstStyle/>
+            <a:p>
+              <a:pPr algn="ctr" defTabSz="896009">
+                <a:lnSpc>
+                  <a:spcPct val="90000"/>
+                </a:lnSpc>
+              </a:pPr>
+              <a:r>
+                <a:rPr lang="en-US" sz="1057" dirty="0">
+                  <a:solidFill>
+                    <a:srgbClr val="FFFFFF"/>
+                  </a:solidFill>
+                </a:rPr>
+                <a:t>Azure Active Directory</a:t>
+              </a:r>
+            </a:p>
+          </p:txBody>
+        </p:sp>
+        <p:pic>
+          <p:nvPicPr>
+            <p:cNvPr id="42" name="Picture 41"/>
+            <p:cNvPicPr>
+              <a:picLocks noChangeAspect="1"/>
+            </p:cNvPicPr>
+            <p:nvPr/>
+          </p:nvPicPr>
+          <p:blipFill>
+            <a:blip r:embed="rId9" cstate="print">
+              <a:biLevel thresh="50000"/>
+              <a:extLst>
+                <a:ext uri="{28A0092B-C50C-407E-A947-70E740481C1C}">
+                  <a14:useLocalDpi xmlns:a14="http://schemas.microsoft.com/office/drawing/2010/main" val="0"/>
+                </a:ext>
+              </a:extLst>
+            </a:blip>
+            <a:stretch>
+              <a:fillRect/>
+            </a:stretch>
+          </p:blipFill>
+          <p:spPr>
+            <a:xfrm>
+              <a:off x="4704773" y="2856176"/>
+              <a:ext cx="401399" cy="324386"/>
+            </a:xfrm>
+            <a:prstGeom prst="rect">
+              <a:avLst/>
+            </a:prstGeom>
+            <a:noFill/>
+            <a:ln>
+              <a:noFill/>
+            </a:ln>
+          </p:spPr>
+        </p:pic>
+      </p:grpSp>
+      <p:sp>
+        <p:nvSpPr>
+          <p:cNvPr id="57" name="Title 56"/>
           <p:cNvSpPr>
             <a:spLocks noGrp="1"/>
           </p:cNvSpPr>
@@ -49918,7 +51149,7 @@
           <a:p>
             <a:r>
               <a:rPr lang="en-US" dirty="0" smtClean="0"/>
-              <a:t>App Service</a:t>
+              <a:t>Azure Mobile Apps</a:t>
             </a:r>
             <a:endParaRPr lang="en-US" dirty="0"/>
           </a:p>
@@ -49926,86 +51157,3013 @@
       </p:sp>
       <p:sp>
         <p:nvSpPr>
-          <p:cNvPr id="7" name="Text Placeholder 6"/>
-          <p:cNvSpPr>
-            <a:spLocks noGrp="1"/>
-          </p:cNvSpPr>
-          <p:nvPr>
-            <p:ph type="body" sz="quarter" idx="10"/>
-          </p:nvPr>
+          <p:cNvPr id="32" name="TextBox 31"/>
+          <p:cNvSpPr txBox="1"/>
+          <p:nvPr/>
         </p:nvSpPr>
         <p:spPr>
           <a:xfrm>
-            <a:off x="269239" y="1189177"/>
-            <a:ext cx="11653523" cy="4727448"/>
+            <a:off x="743830" y="3604589"/>
+            <a:ext cx="886636" cy="968542"/>
           </a:xfrm>
+          <a:prstGeom prst="rect">
+            <a:avLst/>
+          </a:prstGeom>
+          <a:noFill/>
         </p:spPr>
         <p:txBody>
-          <a:bodyPr/>
+          <a:bodyPr wrap="none" rtlCol="0">
+            <a:spAutoFit/>
+          </a:bodyPr>
           <a:lstStyle/>
           <a:p>
-            <a:r>
-              <a:rPr lang="en-US" sz="3600" dirty="0"/>
-              <a:t>Create web and mobile experiences that share data access and business logic</a:t>
-            </a:r>
-          </a:p>
-          <a:p>
-            <a:r>
-              <a:rPr lang="en-US" sz="3600" dirty="0"/>
-              <a:t>Automate business processes with logic apps</a:t>
-            </a:r>
-          </a:p>
-          <a:p>
-            <a:r>
-              <a:rPr lang="en-US" sz="3600" dirty="0"/>
-              <a:t>Build custom APIs or consume connectors from Marketplace</a:t>
-            </a:r>
-          </a:p>
-          <a:p>
-            <a:r>
-              <a:rPr lang="en-US" sz="3600" b="1" dirty="0"/>
-              <a:t>One common billing model</a:t>
-            </a:r>
-            <a:r>
-              <a:rPr lang="en-US" sz="3600" dirty="0"/>
-              <a:t> for all of your App Services</a:t>
-            </a:r>
-          </a:p>
-          <a:p>
-            <a:pPr marL="0" indent="0">
-              <a:buNone/>
+            <a:pPr defTabSz="896009">
+              <a:lnSpc>
+                <a:spcPct val="90000"/>
+              </a:lnSpc>
+              <a:spcBef>
+                <a:spcPts val="575"/>
+              </a:spcBef>
+              <a:defRPr/>
             </a:pPr>
-            <a:endParaRPr lang="en-US" sz="3600" dirty="0"/>
-          </a:p>
-          <a:p>
-            <a:r>
-              <a:rPr lang="en-US" sz="3600" b="1" dirty="0">
+            <a:r>
+              <a:rPr lang="en-US" sz="1176" kern="0" dirty="0">
                 <a:solidFill>
-                  <a:schemeClr val="tx1"/>
+                  <a:srgbClr val="FFFFFF"/>
                 </a:solidFill>
               </a:rPr>
-              <a:t>Use a common Gateway to authenticate</a:t>
-            </a:r>
+              <a:t>Windows</a:t>
+            </a:r>
+          </a:p>
+          <a:p>
+            <a:pPr defTabSz="896009">
+              <a:lnSpc>
+                <a:spcPct val="90000"/>
+              </a:lnSpc>
+              <a:spcBef>
+                <a:spcPts val="575"/>
+              </a:spcBef>
+              <a:defRPr/>
+            </a:pPr>
+            <a:r>
+              <a:rPr lang="en-US" sz="1176" kern="0" dirty="0">
+                <a:solidFill>
+                  <a:srgbClr val="FFFFFF"/>
+                </a:solidFill>
+              </a:rPr>
+              <a:t>iOS</a:t>
+            </a:r>
+          </a:p>
+          <a:p>
+            <a:pPr defTabSz="896009">
+              <a:lnSpc>
+                <a:spcPct val="90000"/>
+              </a:lnSpc>
+              <a:spcBef>
+                <a:spcPts val="575"/>
+              </a:spcBef>
+              <a:defRPr/>
+            </a:pPr>
+            <a:r>
+              <a:rPr lang="en-US" sz="1176" kern="0" dirty="0">
+                <a:solidFill>
+                  <a:srgbClr val="FFFFFF"/>
+                </a:solidFill>
+              </a:rPr>
+              <a:t>Android</a:t>
+            </a:r>
+          </a:p>
+          <a:p>
+            <a:pPr defTabSz="896009">
+              <a:lnSpc>
+                <a:spcPct val="90000"/>
+              </a:lnSpc>
+              <a:spcBef>
+                <a:spcPts val="575"/>
+              </a:spcBef>
+              <a:defRPr/>
+            </a:pPr>
+            <a:r>
+              <a:rPr lang="en-US" sz="1176" kern="0" dirty="0">
+                <a:solidFill>
+                  <a:srgbClr val="FFFFFF"/>
+                </a:solidFill>
+              </a:rPr>
+              <a:t>HTML </a:t>
+            </a:r>
+            <a:r>
+              <a:rPr lang="en-US" sz="1176" kern="0" dirty="0">
+                <a:solidFill>
+                  <a:srgbClr val="FFFFFF"/>
+                </a:solidFill>
+              </a:rPr>
+              <a:t>5/JS</a:t>
+            </a:r>
+            <a:endParaRPr lang="en-US" sz="1176" dirty="0">
+              <a:solidFill>
+                <a:srgbClr val="FFFFFF"/>
+              </a:solidFill>
+            </a:endParaRPr>
           </a:p>
         </p:txBody>
       </p:sp>
+      <p:sp>
+        <p:nvSpPr>
+          <p:cNvPr id="33" name="TextBox 32"/>
+          <p:cNvSpPr txBox="1"/>
+          <p:nvPr/>
+        </p:nvSpPr>
+        <p:spPr>
+          <a:xfrm>
+            <a:off x="1684381" y="3617320"/>
+            <a:ext cx="870921" cy="730177"/>
+          </a:xfrm>
+          <a:prstGeom prst="rect">
+            <a:avLst/>
+          </a:prstGeom>
+          <a:noFill/>
+        </p:spPr>
+        <p:txBody>
+          <a:bodyPr wrap="none" rtlCol="0">
+            <a:spAutoFit/>
+          </a:bodyPr>
+          <a:lstStyle/>
+          <a:p>
+            <a:pPr defTabSz="896009">
+              <a:lnSpc>
+                <a:spcPct val="90000"/>
+              </a:lnSpc>
+              <a:spcBef>
+                <a:spcPts val="575"/>
+              </a:spcBef>
+              <a:defRPr/>
+            </a:pPr>
+            <a:r>
+              <a:rPr lang="en-US" sz="1176" kern="0" dirty="0">
+                <a:solidFill>
+                  <a:srgbClr val="FFFFFF"/>
+                </a:solidFill>
+              </a:rPr>
+              <a:t>Xamarin</a:t>
+            </a:r>
+          </a:p>
+          <a:p>
+            <a:pPr defTabSz="896009">
+              <a:lnSpc>
+                <a:spcPct val="90000"/>
+              </a:lnSpc>
+              <a:spcBef>
+                <a:spcPts val="575"/>
+              </a:spcBef>
+              <a:defRPr/>
+            </a:pPr>
+            <a:r>
+              <a:rPr lang="en-US" sz="1176" kern="0" dirty="0">
+                <a:solidFill>
+                  <a:srgbClr val="FFFFFF"/>
+                </a:solidFill>
+              </a:rPr>
+              <a:t>PhoneGap</a:t>
+            </a:r>
+          </a:p>
+          <a:p>
+            <a:pPr defTabSz="896009">
+              <a:lnSpc>
+                <a:spcPct val="90000"/>
+              </a:lnSpc>
+              <a:spcBef>
+                <a:spcPts val="575"/>
+              </a:spcBef>
+              <a:defRPr/>
+            </a:pPr>
+            <a:r>
+              <a:rPr lang="en-US" sz="1176" kern="0" dirty="0" err="1">
+                <a:solidFill>
+                  <a:srgbClr val="FFFFFF"/>
+                </a:solidFill>
+              </a:rPr>
+              <a:t>Sencha</a:t>
+            </a:r>
+            <a:endParaRPr lang="en-US" sz="1176" kern="0" dirty="0">
+              <a:solidFill>
+                <a:srgbClr val="FFFFFF"/>
+              </a:solidFill>
+            </a:endParaRPr>
+          </a:p>
+        </p:txBody>
+      </p:sp>
+      <p:grpSp>
+        <p:nvGrpSpPr>
+          <p:cNvPr id="74" name="Group 73"/>
+          <p:cNvGrpSpPr/>
+          <p:nvPr/>
+        </p:nvGrpSpPr>
+        <p:grpSpPr>
+          <a:xfrm>
+            <a:off x="7014770" y="5218923"/>
+            <a:ext cx="977133" cy="1191821"/>
+            <a:chOff x="4733635" y="4960493"/>
+            <a:chExt cx="996727" cy="1215720"/>
+          </a:xfrm>
+        </p:grpSpPr>
+        <p:pic>
+          <p:nvPicPr>
+            <p:cNvPr id="75" name="Picture 74"/>
+            <p:cNvPicPr>
+              <a:picLocks noChangeAspect="1"/>
+            </p:cNvPicPr>
+            <p:nvPr/>
+          </p:nvPicPr>
+          <p:blipFill rotWithShape="1">
+            <a:blip r:embed="rId10" cstate="print">
+              <a:extLst>
+                <a:ext uri="{28A0092B-C50C-407E-A947-70E740481C1C}">
+                  <a14:useLocalDpi xmlns:a14="http://schemas.microsoft.com/office/drawing/2010/main" val="0"/>
+                </a:ext>
+              </a:extLst>
+            </a:blip>
+            <a:srcRect r="68823"/>
+            <a:stretch/>
+          </p:blipFill>
+          <p:spPr>
+            <a:xfrm>
+              <a:off x="4733635" y="4960493"/>
+              <a:ext cx="878679" cy="1024117"/>
+            </a:xfrm>
+            <a:prstGeom prst="rect">
+              <a:avLst/>
+            </a:prstGeom>
+          </p:spPr>
+        </p:pic>
+        <p:sp>
+          <p:nvSpPr>
+            <p:cNvPr id="76" name="TextBox 75"/>
+            <p:cNvSpPr txBox="1"/>
+            <p:nvPr/>
+          </p:nvSpPr>
+          <p:spPr>
+            <a:xfrm>
+              <a:off x="4777571" y="5745902"/>
+              <a:ext cx="952791" cy="430311"/>
+            </a:xfrm>
+            <a:prstGeom prst="rect">
+              <a:avLst/>
+            </a:prstGeom>
+            <a:noFill/>
+          </p:spPr>
+          <p:txBody>
+            <a:bodyPr wrap="square" lIns="172281" tIns="137825" rIns="172281" bIns="137825" rtlCol="0">
+              <a:spAutoFit/>
+            </a:bodyPr>
+            <a:lstStyle/>
+            <a:p>
+              <a:pPr algn="ctr" defTabSz="878414">
+                <a:lnSpc>
+                  <a:spcPct val="90000"/>
+                </a:lnSpc>
+                <a:defRPr/>
+              </a:pPr>
+              <a:r>
+                <a:rPr lang="en-US" sz="1036" kern="0" dirty="0">
+                  <a:solidFill>
+                    <a:srgbClr val="FFFFFF"/>
+                  </a:solidFill>
+                </a:rPr>
+                <a:t>Windows</a:t>
+              </a:r>
+              <a:endParaRPr lang="en-US" sz="1036" kern="0" dirty="0">
+                <a:solidFill>
+                  <a:srgbClr val="FFFFFF"/>
+                </a:solidFill>
+              </a:endParaRPr>
+            </a:p>
+          </p:txBody>
+        </p:sp>
+      </p:grpSp>
+      <p:grpSp>
+        <p:nvGrpSpPr>
+          <p:cNvPr id="77" name="Group 76"/>
+          <p:cNvGrpSpPr/>
+          <p:nvPr/>
+        </p:nvGrpSpPr>
+        <p:grpSpPr>
+          <a:xfrm>
+            <a:off x="6155715" y="5429244"/>
+            <a:ext cx="815486" cy="1109003"/>
+            <a:chOff x="6794518" y="5235831"/>
+            <a:chExt cx="831838" cy="1131241"/>
+          </a:xfrm>
+        </p:grpSpPr>
+        <p:pic>
+          <p:nvPicPr>
+            <p:cNvPr id="78" name="Picture 77"/>
+            <p:cNvPicPr>
+              <a:picLocks noChangeAspect="1"/>
+            </p:cNvPicPr>
+            <p:nvPr/>
+          </p:nvPicPr>
+          <p:blipFill>
+            <a:blip r:embed="rId6" cstate="print">
+              <a:extLst>
+                <a:ext uri="{28A0092B-C50C-407E-A947-70E740481C1C}">
+                  <a14:useLocalDpi xmlns:a14="http://schemas.microsoft.com/office/drawing/2010/main" val="0"/>
+                </a:ext>
+              </a:extLst>
+            </a:blip>
+            <a:stretch>
+              <a:fillRect/>
+            </a:stretch>
+          </p:blipFill>
+          <p:spPr>
+            <a:xfrm>
+              <a:off x="7030644" y="5235831"/>
+              <a:ext cx="382921" cy="578975"/>
+            </a:xfrm>
+            <a:prstGeom prst="rect">
+              <a:avLst/>
+            </a:prstGeom>
+          </p:spPr>
+        </p:pic>
+        <p:sp>
+          <p:nvSpPr>
+            <p:cNvPr id="79" name="TextBox 78"/>
+            <p:cNvSpPr txBox="1"/>
+            <p:nvPr/>
+          </p:nvSpPr>
+          <p:spPr>
+            <a:xfrm>
+              <a:off x="6794518" y="5790376"/>
+              <a:ext cx="831838" cy="576696"/>
+            </a:xfrm>
+            <a:prstGeom prst="rect">
+              <a:avLst/>
+            </a:prstGeom>
+            <a:noFill/>
+          </p:spPr>
+          <p:txBody>
+            <a:bodyPr wrap="square" lIns="172281" tIns="137825" rIns="172281" bIns="137825" rtlCol="0">
+              <a:spAutoFit/>
+            </a:bodyPr>
+            <a:lstStyle/>
+            <a:p>
+              <a:pPr algn="ctr" defTabSz="878414">
+                <a:lnSpc>
+                  <a:spcPct val="90000"/>
+                </a:lnSpc>
+                <a:defRPr/>
+              </a:pPr>
+              <a:r>
+                <a:rPr lang="en-US" sz="1036" kern="0" dirty="0">
+                  <a:solidFill>
+                    <a:srgbClr val="FFFFFF"/>
+                  </a:solidFill>
+                </a:rPr>
+                <a:t>Android</a:t>
+              </a:r>
+            </a:p>
+            <a:p>
+              <a:pPr algn="ctr" defTabSz="878414">
+                <a:lnSpc>
+                  <a:spcPct val="90000"/>
+                </a:lnSpc>
+                <a:defRPr/>
+              </a:pPr>
+              <a:r>
+                <a:rPr lang="en-US" sz="1036" kern="0" dirty="0">
+                  <a:solidFill>
+                    <a:srgbClr val="FFFFFF"/>
+                  </a:solidFill>
+                </a:rPr>
+                <a:t>Chrome</a:t>
+              </a:r>
+              <a:endParaRPr lang="en-US" sz="1036" kern="0" dirty="0">
+                <a:solidFill>
+                  <a:srgbClr val="FFFFFF"/>
+                </a:solidFill>
+              </a:endParaRPr>
+            </a:p>
+          </p:txBody>
+        </p:sp>
+      </p:grpSp>
+      <p:grpSp>
+        <p:nvGrpSpPr>
+          <p:cNvPr id="80" name="Group 79"/>
+          <p:cNvGrpSpPr/>
+          <p:nvPr/>
+        </p:nvGrpSpPr>
+        <p:grpSpPr>
+          <a:xfrm>
+            <a:off x="5193933" y="5435185"/>
+            <a:ext cx="775257" cy="1090956"/>
+            <a:chOff x="5910829" y="5235445"/>
+            <a:chExt cx="790803" cy="1112832"/>
+          </a:xfrm>
+        </p:grpSpPr>
+        <p:sp>
+          <p:nvSpPr>
+            <p:cNvPr id="81" name="TextBox 80"/>
+            <p:cNvSpPr txBox="1"/>
+            <p:nvPr/>
+          </p:nvSpPr>
+          <p:spPr>
+            <a:xfrm>
+              <a:off x="5910829" y="5771581"/>
+              <a:ext cx="790803" cy="576696"/>
+            </a:xfrm>
+            <a:prstGeom prst="rect">
+              <a:avLst/>
+            </a:prstGeom>
+            <a:noFill/>
+          </p:spPr>
+          <p:txBody>
+            <a:bodyPr wrap="square" lIns="172281" tIns="137825" rIns="172281" bIns="137825" rtlCol="0">
+              <a:spAutoFit/>
+            </a:bodyPr>
+            <a:lstStyle/>
+            <a:p>
+              <a:pPr algn="ctr" defTabSz="878414">
+                <a:lnSpc>
+                  <a:spcPct val="90000"/>
+                </a:lnSpc>
+                <a:defRPr/>
+              </a:pPr>
+              <a:r>
+                <a:rPr lang="en-US" sz="1036" kern="0" dirty="0">
+                  <a:solidFill>
+                    <a:srgbClr val="FFFFFF"/>
+                  </a:solidFill>
+                </a:rPr>
+                <a:t>iOS OSX</a:t>
+              </a:r>
+              <a:endParaRPr lang="en-US" sz="1036" kern="0" dirty="0">
+                <a:solidFill>
+                  <a:srgbClr val="FFFFFF"/>
+                </a:solidFill>
+              </a:endParaRPr>
+            </a:p>
+          </p:txBody>
+        </p:sp>
+        <p:pic>
+          <p:nvPicPr>
+            <p:cNvPr id="82" name="Picture 81"/>
+            <p:cNvPicPr>
+              <a:picLocks noChangeAspect="1"/>
+            </p:cNvPicPr>
+            <p:nvPr/>
+          </p:nvPicPr>
+          <p:blipFill>
+            <a:blip r:embed="rId11" cstate="print">
+              <a:extLst>
+                <a:ext uri="{28A0092B-C50C-407E-A947-70E740481C1C}">
+                  <a14:useLocalDpi xmlns:a14="http://schemas.microsoft.com/office/drawing/2010/main" val="0"/>
+                </a:ext>
+              </a:extLst>
+            </a:blip>
+            <a:stretch>
+              <a:fillRect/>
+            </a:stretch>
+          </p:blipFill>
+          <p:spPr>
+            <a:xfrm>
+              <a:off x="6059381" y="5235445"/>
+              <a:ext cx="456394" cy="558963"/>
+            </a:xfrm>
+            <a:prstGeom prst="rect">
+              <a:avLst/>
+            </a:prstGeom>
+          </p:spPr>
+        </p:pic>
+      </p:grpSp>
+      <p:grpSp>
+        <p:nvGrpSpPr>
+          <p:cNvPr id="83" name="Group 82"/>
+          <p:cNvGrpSpPr/>
+          <p:nvPr/>
+        </p:nvGrpSpPr>
+        <p:grpSpPr>
+          <a:xfrm>
+            <a:off x="8785573" y="5427682"/>
+            <a:ext cx="1119815" cy="974834"/>
+            <a:chOff x="7627934" y="5239196"/>
+            <a:chExt cx="1142270" cy="994381"/>
+          </a:xfrm>
+        </p:grpSpPr>
+        <p:sp>
+          <p:nvSpPr>
+            <p:cNvPr id="84" name="Lightning Bolt 83"/>
+            <p:cNvSpPr/>
+            <p:nvPr/>
+          </p:nvSpPr>
+          <p:spPr bwMode="auto">
+            <a:xfrm>
+              <a:off x="8009020" y="5239196"/>
+              <a:ext cx="258288" cy="571141"/>
+            </a:xfrm>
+            <a:prstGeom prst="lightningBolt">
+              <a:avLst/>
+            </a:prstGeom>
+            <a:solidFill>
+              <a:schemeClr val="tx1"/>
+            </a:solidFill>
+            <a:ln>
+              <a:noFill/>
+              <a:headEnd type="none" w="med" len="med"/>
+              <a:tailEnd type="none" w="med" len="med"/>
+            </a:ln>
+            <a:effectLst/>
+          </p:spPr>
+          <p:style>
+            <a:lnRef idx="1">
+              <a:schemeClr val="accent2"/>
+            </a:lnRef>
+            <a:fillRef idx="3">
+              <a:schemeClr val="accent2"/>
+            </a:fillRef>
+            <a:effectRef idx="2">
+              <a:schemeClr val="accent2"/>
+            </a:effectRef>
+            <a:fontRef idx="minor">
+              <a:schemeClr val="lt1"/>
+            </a:fontRef>
+          </p:style>
+          <p:txBody>
+            <a:bodyPr rot="0" spcFirstLastPara="0" vertOverflow="overflow" horzOverflow="overflow" vert="horz" wrap="square" lIns="179285" tIns="143428" rIns="179285" bIns="143428" numCol="1" spcCol="0" rtlCol="0" fromWordArt="0" anchor="t" anchorCtr="0" forceAA="0" compatLnSpc="1">
+              <a:prstTxWarp prst="textNoShape">
+                <a:avLst/>
+              </a:prstTxWarp>
+              <a:noAutofit/>
+            </a:bodyPr>
+            <a:lstStyle/>
+            <a:p>
+              <a:pPr algn="ctr" defTabSz="914102" fontAlgn="base">
+                <a:lnSpc>
+                  <a:spcPct val="90000"/>
+                </a:lnSpc>
+                <a:spcBef>
+                  <a:spcPct val="0"/>
+                </a:spcBef>
+                <a:spcAft>
+                  <a:spcPct val="0"/>
+                </a:spcAft>
+              </a:pPr>
+              <a:endParaRPr lang="en-US" sz="2353" dirty="0" err="1">
+                <a:gradFill>
+                  <a:gsLst>
+                    <a:gs pos="0">
+                      <a:srgbClr val="FFFFFF"/>
+                    </a:gs>
+                    <a:gs pos="100000">
+                      <a:srgbClr val="FFFFFF"/>
+                    </a:gs>
+                  </a:gsLst>
+                  <a:lin ang="5400000" scaled="0"/>
+                </a:gradFill>
+                <a:ea typeface="Segoe UI" pitchFamily="34" charset="0"/>
+                <a:cs typeface="Segoe UI" pitchFamily="34" charset="0"/>
+              </a:endParaRPr>
+            </a:p>
+          </p:txBody>
+        </p:sp>
+        <p:sp>
+          <p:nvSpPr>
+            <p:cNvPr id="85" name="TextBox 84"/>
+            <p:cNvSpPr txBox="1"/>
+            <p:nvPr/>
+          </p:nvSpPr>
+          <p:spPr>
+            <a:xfrm>
+              <a:off x="7627934" y="5803266"/>
+              <a:ext cx="1142270" cy="430311"/>
+            </a:xfrm>
+            <a:prstGeom prst="rect">
+              <a:avLst/>
+            </a:prstGeom>
+            <a:noFill/>
+          </p:spPr>
+          <p:txBody>
+            <a:bodyPr wrap="square" lIns="172281" tIns="137825" rIns="172281" bIns="137825" rtlCol="0">
+              <a:spAutoFit/>
+            </a:bodyPr>
+            <a:lstStyle/>
+            <a:p>
+              <a:pPr algn="ctr" defTabSz="878414">
+                <a:lnSpc>
+                  <a:spcPct val="90000"/>
+                </a:lnSpc>
+                <a:defRPr/>
+              </a:pPr>
+              <a:r>
+                <a:rPr lang="en-US" sz="1036" kern="0" dirty="0">
+                  <a:solidFill>
+                    <a:srgbClr val="FFFFFF"/>
+                  </a:solidFill>
+                </a:rPr>
+                <a:t>In-App</a:t>
+              </a:r>
+              <a:endParaRPr lang="en-US" sz="1036" kern="0" dirty="0">
+                <a:solidFill>
+                  <a:srgbClr val="FFFFFF"/>
+                </a:solidFill>
+              </a:endParaRPr>
+            </a:p>
+          </p:txBody>
+        </p:sp>
+      </p:grpSp>
+      <p:grpSp>
+        <p:nvGrpSpPr>
+          <p:cNvPr id="86" name="Group 85"/>
+          <p:cNvGrpSpPr/>
+          <p:nvPr/>
+        </p:nvGrpSpPr>
+        <p:grpSpPr>
+          <a:xfrm>
+            <a:off x="7972047" y="5419011"/>
+            <a:ext cx="934061" cy="991733"/>
+            <a:chOff x="8872474" y="5203497"/>
+            <a:chExt cx="952791" cy="1011619"/>
+          </a:xfrm>
+        </p:grpSpPr>
+        <p:pic>
+          <p:nvPicPr>
+            <p:cNvPr id="87" name="Picture 86"/>
+            <p:cNvPicPr>
+              <a:picLocks noChangeAspect="1"/>
+            </p:cNvPicPr>
+            <p:nvPr/>
+          </p:nvPicPr>
+          <p:blipFill>
+            <a:blip r:embed="rId12" cstate="print">
+              <a:extLst>
+                <a:ext uri="{28A0092B-C50C-407E-A947-70E740481C1C}">
+                  <a14:useLocalDpi xmlns:a14="http://schemas.microsoft.com/office/drawing/2010/main" val="0"/>
+                </a:ext>
+              </a:extLst>
+            </a:blip>
+            <a:stretch>
+              <a:fillRect/>
+            </a:stretch>
+          </p:blipFill>
+          <p:spPr>
+            <a:xfrm>
+              <a:off x="9031002" y="5203497"/>
+              <a:ext cx="668810" cy="668810"/>
+            </a:xfrm>
+            <a:prstGeom prst="rect">
+              <a:avLst/>
+            </a:prstGeom>
+          </p:spPr>
+        </p:pic>
+        <p:sp>
+          <p:nvSpPr>
+            <p:cNvPr id="88" name="TextBox 87"/>
+            <p:cNvSpPr txBox="1"/>
+            <p:nvPr/>
+          </p:nvSpPr>
+          <p:spPr>
+            <a:xfrm>
+              <a:off x="8872474" y="5784805"/>
+              <a:ext cx="952791" cy="430311"/>
+            </a:xfrm>
+            <a:prstGeom prst="rect">
+              <a:avLst/>
+            </a:prstGeom>
+            <a:noFill/>
+          </p:spPr>
+          <p:txBody>
+            <a:bodyPr wrap="square" lIns="172281" tIns="137825" rIns="172281" bIns="137825" rtlCol="0">
+              <a:spAutoFit/>
+            </a:bodyPr>
+            <a:lstStyle/>
+            <a:p>
+              <a:pPr algn="ctr" defTabSz="878414">
+                <a:lnSpc>
+                  <a:spcPct val="90000"/>
+                </a:lnSpc>
+                <a:defRPr/>
+              </a:pPr>
+              <a:r>
+                <a:rPr lang="en-US" sz="1036" kern="0" dirty="0">
+                  <a:solidFill>
+                    <a:srgbClr val="FFFFFF"/>
+                  </a:solidFill>
+                </a:rPr>
+                <a:t>Kindle</a:t>
+              </a:r>
+              <a:endParaRPr lang="en-US" sz="1036" kern="0" dirty="0">
+                <a:solidFill>
+                  <a:srgbClr val="FFFFFF"/>
+                </a:solidFill>
+              </a:endParaRPr>
+            </a:p>
+          </p:txBody>
+        </p:sp>
+      </p:grpSp>
+      <p:grpSp>
+        <p:nvGrpSpPr>
+          <p:cNvPr id="89" name="Group 88"/>
+          <p:cNvGrpSpPr/>
+          <p:nvPr/>
+        </p:nvGrpSpPr>
+        <p:grpSpPr bwMode="gray">
+          <a:xfrm>
+            <a:off x="7274650" y="3831809"/>
+            <a:ext cx="637688" cy="425427"/>
+            <a:chOff x="8672460" y="-1818199"/>
+            <a:chExt cx="1811337" cy="1203325"/>
+          </a:xfrm>
+        </p:grpSpPr>
+        <p:sp>
+          <p:nvSpPr>
+            <p:cNvPr id="90" name="Freeform 11"/>
+            <p:cNvSpPr>
+              <a:spLocks/>
+            </p:cNvSpPr>
+            <p:nvPr/>
+          </p:nvSpPr>
+          <p:spPr bwMode="gray">
+            <a:xfrm>
+              <a:off x="8845497" y="-1576899"/>
+              <a:ext cx="1592262" cy="808038"/>
+            </a:xfrm>
+            <a:custGeom>
+              <a:avLst/>
+              <a:gdLst>
+                <a:gd name="T0" fmla="*/ 363 w 422"/>
+                <a:gd name="T1" fmla="*/ 1 h 213"/>
+                <a:gd name="T2" fmla="*/ 346 w 422"/>
+                <a:gd name="T3" fmla="*/ 0 h 213"/>
+                <a:gd name="T4" fmla="*/ 346 w 422"/>
+                <a:gd name="T5" fmla="*/ 0 h 213"/>
+                <a:gd name="T6" fmla="*/ 346 w 422"/>
+                <a:gd name="T7" fmla="*/ 0 h 213"/>
+                <a:gd name="T8" fmla="*/ 346 w 422"/>
+                <a:gd name="T9" fmla="*/ 0 h 213"/>
+                <a:gd name="T10" fmla="*/ 185 w 422"/>
+                <a:gd name="T11" fmla="*/ 98 h 213"/>
+                <a:gd name="T12" fmla="*/ 164 w 422"/>
+                <a:gd name="T13" fmla="*/ 105 h 213"/>
+                <a:gd name="T14" fmla="*/ 141 w 422"/>
+                <a:gd name="T15" fmla="*/ 96 h 213"/>
+                <a:gd name="T16" fmla="*/ 14 w 422"/>
+                <a:gd name="T17" fmla="*/ 2 h 213"/>
+                <a:gd name="T18" fmla="*/ 14 w 422"/>
+                <a:gd name="T19" fmla="*/ 2 h 213"/>
+                <a:gd name="T20" fmla="*/ 0 w 422"/>
+                <a:gd name="T21" fmla="*/ 1 h 213"/>
+                <a:gd name="T22" fmla="*/ 1 w 422"/>
+                <a:gd name="T23" fmla="*/ 100 h 213"/>
+                <a:gd name="T24" fmla="*/ 40 w 422"/>
+                <a:gd name="T25" fmla="*/ 98 h 213"/>
+                <a:gd name="T26" fmla="*/ 181 w 422"/>
+                <a:gd name="T27" fmla="*/ 149 h 213"/>
+                <a:gd name="T28" fmla="*/ 335 w 422"/>
+                <a:gd name="T29" fmla="*/ 211 h 213"/>
+                <a:gd name="T30" fmla="*/ 362 w 422"/>
+                <a:gd name="T31" fmla="*/ 213 h 213"/>
+                <a:gd name="T32" fmla="*/ 362 w 422"/>
+                <a:gd name="T33" fmla="*/ 169 h 213"/>
+                <a:gd name="T34" fmla="*/ 421 w 422"/>
+                <a:gd name="T35" fmla="*/ 114 h 213"/>
+                <a:gd name="T36" fmla="*/ 420 w 422"/>
+                <a:gd name="T37" fmla="*/ 111 h 213"/>
+                <a:gd name="T38" fmla="*/ 418 w 422"/>
+                <a:gd name="T39" fmla="*/ 115 h 213"/>
+                <a:gd name="T40" fmla="*/ 362 w 422"/>
+                <a:gd name="T41" fmla="*/ 155 h 213"/>
+                <a:gd name="T42" fmla="*/ 363 w 422"/>
+                <a:gd name="T43" fmla="*/ 1 h 213"/>
+              </a:gdLst>
+              <a:ahLst/>
+              <a:cxnLst>
+                <a:cxn ang="0">
+                  <a:pos x="T0" y="T1"/>
+                </a:cxn>
+                <a:cxn ang="0">
+                  <a:pos x="T2" y="T3"/>
+                </a:cxn>
+                <a:cxn ang="0">
+                  <a:pos x="T4" y="T5"/>
+                </a:cxn>
+                <a:cxn ang="0">
+                  <a:pos x="T6" y="T7"/>
+                </a:cxn>
+                <a:cxn ang="0">
+                  <a:pos x="T8" y="T9"/>
+                </a:cxn>
+                <a:cxn ang="0">
+                  <a:pos x="T10" y="T11"/>
+                </a:cxn>
+                <a:cxn ang="0">
+                  <a:pos x="T12" y="T13"/>
+                </a:cxn>
+                <a:cxn ang="0">
+                  <a:pos x="T14" y="T15"/>
+                </a:cxn>
+                <a:cxn ang="0">
+                  <a:pos x="T16" y="T17"/>
+                </a:cxn>
+                <a:cxn ang="0">
+                  <a:pos x="T18" y="T19"/>
+                </a:cxn>
+                <a:cxn ang="0">
+                  <a:pos x="T20" y="T21"/>
+                </a:cxn>
+                <a:cxn ang="0">
+                  <a:pos x="T22" y="T23"/>
+                </a:cxn>
+                <a:cxn ang="0">
+                  <a:pos x="T24" y="T25"/>
+                </a:cxn>
+                <a:cxn ang="0">
+                  <a:pos x="T26" y="T27"/>
+                </a:cxn>
+                <a:cxn ang="0">
+                  <a:pos x="T28" y="T29"/>
+                </a:cxn>
+                <a:cxn ang="0">
+                  <a:pos x="T30" y="T31"/>
+                </a:cxn>
+                <a:cxn ang="0">
+                  <a:pos x="T32" y="T33"/>
+                </a:cxn>
+                <a:cxn ang="0">
+                  <a:pos x="T34" y="T35"/>
+                </a:cxn>
+                <a:cxn ang="0">
+                  <a:pos x="T36" y="T37"/>
+                </a:cxn>
+                <a:cxn ang="0">
+                  <a:pos x="T38" y="T39"/>
+                </a:cxn>
+                <a:cxn ang="0">
+                  <a:pos x="T40" y="T41"/>
+                </a:cxn>
+                <a:cxn ang="0">
+                  <a:pos x="T42" y="T43"/>
+                </a:cxn>
+              </a:cxnLst>
+              <a:rect l="0" t="0" r="r" b="b"/>
+              <a:pathLst>
+                <a:path w="422" h="213">
+                  <a:moveTo>
+                    <a:pt x="363" y="1"/>
+                  </a:moveTo>
+                  <a:cubicBezTo>
+                    <a:pt x="363" y="1"/>
+                    <a:pt x="346" y="0"/>
+                    <a:pt x="346" y="0"/>
+                  </a:cubicBezTo>
+                  <a:cubicBezTo>
+                    <a:pt x="346" y="0"/>
+                    <a:pt x="346" y="0"/>
+                    <a:pt x="346" y="0"/>
+                  </a:cubicBezTo>
+                  <a:cubicBezTo>
+                    <a:pt x="346" y="0"/>
+                    <a:pt x="346" y="0"/>
+                    <a:pt x="346" y="0"/>
+                  </a:cubicBezTo>
+                  <a:cubicBezTo>
+                    <a:pt x="346" y="0"/>
+                    <a:pt x="346" y="0"/>
+                    <a:pt x="346" y="0"/>
+                  </a:cubicBezTo>
+                  <a:cubicBezTo>
+                    <a:pt x="299" y="29"/>
+                    <a:pt x="203" y="87"/>
+                    <a:pt x="185" y="98"/>
+                  </a:cubicBezTo>
+                  <a:cubicBezTo>
+                    <a:pt x="182" y="100"/>
+                    <a:pt x="173" y="105"/>
+                    <a:pt x="164" y="105"/>
+                  </a:cubicBezTo>
+                  <a:cubicBezTo>
+                    <a:pt x="154" y="105"/>
+                    <a:pt x="147" y="101"/>
+                    <a:pt x="141" y="96"/>
+                  </a:cubicBezTo>
+                  <a:cubicBezTo>
+                    <a:pt x="126" y="86"/>
+                    <a:pt x="59" y="35"/>
+                    <a:pt x="14" y="2"/>
+                  </a:cubicBezTo>
+                  <a:cubicBezTo>
+                    <a:pt x="14" y="2"/>
+                    <a:pt x="14" y="2"/>
+                    <a:pt x="14" y="2"/>
+                  </a:cubicBezTo>
+                  <a:cubicBezTo>
+                    <a:pt x="14" y="2"/>
+                    <a:pt x="0" y="1"/>
+                    <a:pt x="0" y="1"/>
+                  </a:cubicBezTo>
+                  <a:cubicBezTo>
+                    <a:pt x="0" y="28"/>
+                    <a:pt x="0" y="65"/>
+                    <a:pt x="1" y="100"/>
+                  </a:cubicBezTo>
+                  <a:cubicBezTo>
+                    <a:pt x="12" y="98"/>
+                    <a:pt x="26" y="97"/>
+                    <a:pt x="40" y="98"/>
+                  </a:cubicBezTo>
+                  <a:cubicBezTo>
+                    <a:pt x="91" y="101"/>
+                    <a:pt x="139" y="125"/>
+                    <a:pt x="181" y="149"/>
+                  </a:cubicBezTo>
+                  <a:cubicBezTo>
+                    <a:pt x="222" y="172"/>
+                    <a:pt x="273" y="200"/>
+                    <a:pt x="335" y="211"/>
+                  </a:cubicBezTo>
+                  <a:cubicBezTo>
+                    <a:pt x="344" y="212"/>
+                    <a:pt x="353" y="213"/>
+                    <a:pt x="362" y="213"/>
+                  </a:cubicBezTo>
+                  <a:cubicBezTo>
+                    <a:pt x="362" y="169"/>
+                    <a:pt x="362" y="169"/>
+                    <a:pt x="362" y="169"/>
+                  </a:cubicBezTo>
+                  <a:cubicBezTo>
+                    <a:pt x="412" y="159"/>
+                    <a:pt x="419" y="127"/>
+                    <a:pt x="421" y="114"/>
+                  </a:cubicBezTo>
+                  <a:cubicBezTo>
+                    <a:pt x="421" y="113"/>
+                    <a:pt x="422" y="111"/>
+                    <a:pt x="420" y="111"/>
+                  </a:cubicBezTo>
+                  <a:cubicBezTo>
+                    <a:pt x="418" y="111"/>
+                    <a:pt x="418" y="114"/>
+                    <a:pt x="418" y="115"/>
+                  </a:cubicBezTo>
+                  <a:cubicBezTo>
+                    <a:pt x="416" y="122"/>
+                    <a:pt x="411" y="148"/>
+                    <a:pt x="362" y="155"/>
+                  </a:cubicBezTo>
+                  <a:lnTo>
+                    <a:pt x="363" y="1"/>
+                  </a:lnTo>
+                  <a:close/>
+                </a:path>
+              </a:pathLst>
+            </a:custGeom>
+            <a:solidFill>
+              <a:srgbClr val="FFFFFF"/>
+            </a:solidFill>
+            <a:ln>
+              <a:noFill/>
+              <a:headEnd type="none" w="med" len="med"/>
+              <a:tailEnd type="none" w="med" len="med"/>
+            </a:ln>
+            <a:extLst>
+              <a:ext uri="{91240B29-F687-4f45-9708-019B960494DF}">
+                <a14:hiddenLine xmlns:a14="http://schemas.microsoft.com/office/drawing/2010/main" xmlns="" w="9525">
+                  <a:solidFill>
+                    <a:srgbClr val="000000"/>
+                  </a:solidFill>
+                  <a:round/>
+                  <a:headEnd/>
+                  <a:tailEnd/>
+                </a14:hiddenLine>
+              </a:ext>
+            </a:extLst>
+          </p:spPr>
+          <p:style>
+            <a:lnRef idx="2">
+              <a:schemeClr val="accent3">
+                <a:shade val="50000"/>
+              </a:schemeClr>
+            </a:lnRef>
+            <a:fillRef idx="1">
+              <a:schemeClr val="accent3"/>
+            </a:fillRef>
+            <a:effectRef idx="0">
+              <a:schemeClr val="accent3"/>
+            </a:effectRef>
+            <a:fontRef idx="minor">
+              <a:schemeClr val="lt1"/>
+            </a:fontRef>
+          </p:style>
+          <p:txBody>
+            <a:bodyPr vert="horz" wrap="square" lIns="86137" tIns="43068" rIns="86137" bIns="43068" numCol="1" rtlCol="0" anchor="ctr" anchorCtr="0" compatLnSpc="1">
+              <a:prstTxWarp prst="textNoShape">
+                <a:avLst/>
+              </a:prstTxWarp>
+            </a:bodyPr>
+            <a:lstStyle/>
+            <a:p>
+              <a:pPr defTabSz="697685"/>
+              <a:endParaRPr lang="en-US" sz="848" spc="-116" dirty="0">
+                <a:solidFill>
+                  <a:srgbClr val="505050">
+                    <a:lumMod val="50000"/>
+                  </a:srgbClr>
+                </a:solidFill>
+                <a:latin typeface="Segoe Light" pitchFamily="34" charset="0"/>
+              </a:endParaRPr>
+            </a:p>
+          </p:txBody>
+        </p:sp>
+        <p:sp>
+          <p:nvSpPr>
+            <p:cNvPr id="91" name="Freeform 12"/>
+            <p:cNvSpPr>
+              <a:spLocks noEditPoints="1"/>
+            </p:cNvSpPr>
+            <p:nvPr/>
+          </p:nvSpPr>
+          <p:spPr bwMode="gray">
+            <a:xfrm>
+              <a:off x="8672460" y="-1156212"/>
+              <a:ext cx="1811337" cy="541338"/>
+            </a:xfrm>
+            <a:custGeom>
+              <a:avLst/>
+              <a:gdLst>
+                <a:gd name="T0" fmla="*/ 480 w 480"/>
+                <a:gd name="T1" fmla="*/ 81 h 143"/>
+                <a:gd name="T2" fmla="*/ 478 w 480"/>
+                <a:gd name="T3" fmla="*/ 81 h 143"/>
+                <a:gd name="T4" fmla="*/ 430 w 480"/>
+                <a:gd name="T5" fmla="*/ 106 h 143"/>
+                <a:gd name="T6" fmla="*/ 390 w 480"/>
+                <a:gd name="T7" fmla="*/ 107 h 143"/>
+                <a:gd name="T8" fmla="*/ 242 w 480"/>
+                <a:gd name="T9" fmla="*/ 62 h 143"/>
+                <a:gd name="T10" fmla="*/ 74 w 480"/>
+                <a:gd name="T11" fmla="*/ 1 h 143"/>
+                <a:gd name="T12" fmla="*/ 11 w 480"/>
+                <a:gd name="T13" fmla="*/ 19 h 143"/>
+                <a:gd name="T14" fmla="*/ 0 w 480"/>
+                <a:gd name="T15" fmla="*/ 53 h 143"/>
+                <a:gd name="T16" fmla="*/ 34 w 480"/>
+                <a:gd name="T17" fmla="*/ 89 h 143"/>
+                <a:gd name="T18" fmla="*/ 47 w 480"/>
+                <a:gd name="T19" fmla="*/ 90 h 143"/>
+                <a:gd name="T20" fmla="*/ 47 w 480"/>
+                <a:gd name="T21" fmla="*/ 102 h 143"/>
+                <a:gd name="T22" fmla="*/ 59 w 480"/>
+                <a:gd name="T23" fmla="*/ 117 h 143"/>
+                <a:gd name="T24" fmla="*/ 375 w 480"/>
+                <a:gd name="T25" fmla="*/ 143 h 143"/>
+                <a:gd name="T26" fmla="*/ 396 w 480"/>
+                <a:gd name="T27" fmla="*/ 139 h 143"/>
+                <a:gd name="T28" fmla="*/ 408 w 480"/>
+                <a:gd name="T29" fmla="*/ 123 h 143"/>
+                <a:gd name="T30" fmla="*/ 408 w 480"/>
+                <a:gd name="T31" fmla="*/ 115 h 143"/>
+                <a:gd name="T32" fmla="*/ 454 w 480"/>
+                <a:gd name="T33" fmla="*/ 105 h 143"/>
+                <a:gd name="T34" fmla="*/ 480 w 480"/>
+                <a:gd name="T35" fmla="*/ 82 h 143"/>
+                <a:gd name="T36" fmla="*/ 480 w 480"/>
+                <a:gd name="T37" fmla="*/ 81 h 143"/>
+                <a:gd name="T38" fmla="*/ 47 w 480"/>
+                <a:gd name="T39" fmla="*/ 73 h 143"/>
+                <a:gd name="T40" fmla="*/ 11 w 480"/>
+                <a:gd name="T41" fmla="*/ 51 h 143"/>
+                <a:gd name="T42" fmla="*/ 21 w 480"/>
+                <a:gd name="T43" fmla="*/ 26 h 143"/>
+                <a:gd name="T44" fmla="*/ 47 w 480"/>
+                <a:gd name="T45" fmla="*/ 18 h 143"/>
+                <a:gd name="T46" fmla="*/ 47 w 480"/>
+                <a:gd name="T47" fmla="*/ 73 h 143"/>
+              </a:gdLst>
+              <a:ahLst/>
+              <a:cxnLst>
+                <a:cxn ang="0">
+                  <a:pos x="T0" y="T1"/>
+                </a:cxn>
+                <a:cxn ang="0">
+                  <a:pos x="T2" y="T3"/>
+                </a:cxn>
+                <a:cxn ang="0">
+                  <a:pos x="T4" y="T5"/>
+                </a:cxn>
+                <a:cxn ang="0">
+                  <a:pos x="T6" y="T7"/>
+                </a:cxn>
+                <a:cxn ang="0">
+                  <a:pos x="T8" y="T9"/>
+                </a:cxn>
+                <a:cxn ang="0">
+                  <a:pos x="T10" y="T11"/>
+                </a:cxn>
+                <a:cxn ang="0">
+                  <a:pos x="T12" y="T13"/>
+                </a:cxn>
+                <a:cxn ang="0">
+                  <a:pos x="T14" y="T15"/>
+                </a:cxn>
+                <a:cxn ang="0">
+                  <a:pos x="T16" y="T17"/>
+                </a:cxn>
+                <a:cxn ang="0">
+                  <a:pos x="T18" y="T19"/>
+                </a:cxn>
+                <a:cxn ang="0">
+                  <a:pos x="T20" y="T21"/>
+                </a:cxn>
+                <a:cxn ang="0">
+                  <a:pos x="T22" y="T23"/>
+                </a:cxn>
+                <a:cxn ang="0">
+                  <a:pos x="T24" y="T25"/>
+                </a:cxn>
+                <a:cxn ang="0">
+                  <a:pos x="T26" y="T27"/>
+                </a:cxn>
+                <a:cxn ang="0">
+                  <a:pos x="T28" y="T29"/>
+                </a:cxn>
+                <a:cxn ang="0">
+                  <a:pos x="T30" y="T31"/>
+                </a:cxn>
+                <a:cxn ang="0">
+                  <a:pos x="T32" y="T33"/>
+                </a:cxn>
+                <a:cxn ang="0">
+                  <a:pos x="T34" y="T35"/>
+                </a:cxn>
+                <a:cxn ang="0">
+                  <a:pos x="T36" y="T37"/>
+                </a:cxn>
+                <a:cxn ang="0">
+                  <a:pos x="T38" y="T39"/>
+                </a:cxn>
+                <a:cxn ang="0">
+                  <a:pos x="T40" y="T41"/>
+                </a:cxn>
+                <a:cxn ang="0">
+                  <a:pos x="T42" y="T43"/>
+                </a:cxn>
+                <a:cxn ang="0">
+                  <a:pos x="T44" y="T45"/>
+                </a:cxn>
+                <a:cxn ang="0">
+                  <a:pos x="T46" y="T47"/>
+                </a:cxn>
+              </a:cxnLst>
+              <a:rect l="0" t="0" r="r" b="b"/>
+              <a:pathLst>
+                <a:path w="480" h="143">
+                  <a:moveTo>
+                    <a:pt x="480" y="81"/>
+                  </a:moveTo>
+                  <a:cubicBezTo>
+                    <a:pt x="479" y="80"/>
+                    <a:pt x="478" y="81"/>
+                    <a:pt x="478" y="81"/>
+                  </a:cubicBezTo>
+                  <a:cubicBezTo>
+                    <a:pt x="463" y="97"/>
+                    <a:pt x="443" y="103"/>
+                    <a:pt x="430" y="106"/>
+                  </a:cubicBezTo>
+                  <a:cubicBezTo>
+                    <a:pt x="420" y="108"/>
+                    <a:pt x="408" y="108"/>
+                    <a:pt x="390" y="107"/>
+                  </a:cubicBezTo>
+                  <a:cubicBezTo>
+                    <a:pt x="350" y="103"/>
+                    <a:pt x="301" y="91"/>
+                    <a:pt x="242" y="62"/>
+                  </a:cubicBezTo>
+                  <a:cubicBezTo>
+                    <a:pt x="169" y="25"/>
+                    <a:pt x="119" y="3"/>
+                    <a:pt x="74" y="1"/>
+                  </a:cubicBezTo>
+                  <a:cubicBezTo>
+                    <a:pt x="54" y="0"/>
+                    <a:pt x="26" y="1"/>
+                    <a:pt x="11" y="19"/>
+                  </a:cubicBezTo>
+                  <a:cubicBezTo>
+                    <a:pt x="3" y="27"/>
+                    <a:pt x="0" y="40"/>
+                    <a:pt x="0" y="53"/>
+                  </a:cubicBezTo>
+                  <a:cubicBezTo>
+                    <a:pt x="1" y="80"/>
+                    <a:pt x="23" y="88"/>
+                    <a:pt x="34" y="89"/>
+                  </a:cubicBezTo>
+                  <a:cubicBezTo>
+                    <a:pt x="38" y="90"/>
+                    <a:pt x="43" y="91"/>
+                    <a:pt x="47" y="90"/>
+                  </a:cubicBezTo>
+                  <a:cubicBezTo>
+                    <a:pt x="47" y="97"/>
+                    <a:pt x="47" y="101"/>
+                    <a:pt x="47" y="102"/>
+                  </a:cubicBezTo>
+                  <a:cubicBezTo>
+                    <a:pt x="47" y="112"/>
+                    <a:pt x="50" y="116"/>
+                    <a:pt x="59" y="117"/>
+                  </a:cubicBezTo>
+                  <a:cubicBezTo>
+                    <a:pt x="68" y="117"/>
+                    <a:pt x="371" y="143"/>
+                    <a:pt x="375" y="143"/>
+                  </a:cubicBezTo>
+                  <a:cubicBezTo>
+                    <a:pt x="380" y="143"/>
+                    <a:pt x="391" y="142"/>
+                    <a:pt x="396" y="139"/>
+                  </a:cubicBezTo>
+                  <a:cubicBezTo>
+                    <a:pt x="401" y="136"/>
+                    <a:pt x="408" y="133"/>
+                    <a:pt x="408" y="123"/>
+                  </a:cubicBezTo>
+                  <a:cubicBezTo>
+                    <a:pt x="408" y="115"/>
+                    <a:pt x="408" y="115"/>
+                    <a:pt x="408" y="115"/>
+                  </a:cubicBezTo>
+                  <a:cubicBezTo>
+                    <a:pt x="425" y="115"/>
+                    <a:pt x="441" y="111"/>
+                    <a:pt x="454" y="105"/>
+                  </a:cubicBezTo>
+                  <a:cubicBezTo>
+                    <a:pt x="464" y="100"/>
+                    <a:pt x="473" y="92"/>
+                    <a:pt x="480" y="82"/>
+                  </a:cubicBezTo>
+                  <a:cubicBezTo>
+                    <a:pt x="480" y="82"/>
+                    <a:pt x="480" y="81"/>
+                    <a:pt x="480" y="81"/>
+                  </a:cubicBezTo>
+                  <a:close/>
+                  <a:moveTo>
+                    <a:pt x="47" y="73"/>
+                  </a:moveTo>
+                  <a:cubicBezTo>
+                    <a:pt x="31" y="73"/>
+                    <a:pt x="12" y="69"/>
+                    <a:pt x="11" y="51"/>
+                  </a:cubicBezTo>
+                  <a:cubicBezTo>
+                    <a:pt x="10" y="41"/>
+                    <a:pt x="13" y="33"/>
+                    <a:pt x="21" y="26"/>
+                  </a:cubicBezTo>
+                  <a:cubicBezTo>
+                    <a:pt x="29" y="20"/>
+                    <a:pt x="37" y="19"/>
+                    <a:pt x="47" y="18"/>
+                  </a:cubicBezTo>
+                  <a:cubicBezTo>
+                    <a:pt x="47" y="39"/>
+                    <a:pt x="47" y="58"/>
+                    <a:pt x="47" y="73"/>
+                  </a:cubicBezTo>
+                  <a:close/>
+                </a:path>
+              </a:pathLst>
+            </a:custGeom>
+            <a:solidFill>
+              <a:srgbClr val="FFFFFF"/>
+            </a:solidFill>
+            <a:ln>
+              <a:noFill/>
+              <a:headEnd type="none" w="med" len="med"/>
+              <a:tailEnd type="none" w="med" len="med"/>
+            </a:ln>
+            <a:extLst>
+              <a:ext uri="{91240B29-F687-4f45-9708-019B960494DF}">
+                <a14:hiddenLine xmlns:a14="http://schemas.microsoft.com/office/drawing/2010/main" xmlns="" w="9525">
+                  <a:solidFill>
+                    <a:srgbClr val="000000"/>
+                  </a:solidFill>
+                  <a:round/>
+                  <a:headEnd/>
+                  <a:tailEnd/>
+                </a14:hiddenLine>
+              </a:ext>
+            </a:extLst>
+          </p:spPr>
+          <p:style>
+            <a:lnRef idx="2">
+              <a:schemeClr val="accent3">
+                <a:shade val="50000"/>
+              </a:schemeClr>
+            </a:lnRef>
+            <a:fillRef idx="1">
+              <a:schemeClr val="accent3"/>
+            </a:fillRef>
+            <a:effectRef idx="0">
+              <a:schemeClr val="accent3"/>
+            </a:effectRef>
+            <a:fontRef idx="minor">
+              <a:schemeClr val="lt1"/>
+            </a:fontRef>
+          </p:style>
+          <p:txBody>
+            <a:bodyPr vert="horz" wrap="square" lIns="86137" tIns="43068" rIns="86137" bIns="43068" numCol="1" rtlCol="0" anchor="ctr" anchorCtr="0" compatLnSpc="1">
+              <a:prstTxWarp prst="textNoShape">
+                <a:avLst/>
+              </a:prstTxWarp>
+            </a:bodyPr>
+            <a:lstStyle/>
+            <a:p>
+              <a:pPr defTabSz="697685"/>
+              <a:endParaRPr lang="en-US" sz="848" spc="-116" dirty="0">
+                <a:solidFill>
+                  <a:srgbClr val="505050">
+                    <a:lumMod val="50000"/>
+                  </a:srgbClr>
+                </a:solidFill>
+                <a:latin typeface="Segoe Light" pitchFamily="34" charset="0"/>
+              </a:endParaRPr>
+            </a:p>
+          </p:txBody>
+        </p:sp>
+        <p:sp>
+          <p:nvSpPr>
+            <p:cNvPr id="92" name="Freeform 13"/>
+            <p:cNvSpPr>
+              <a:spLocks/>
+            </p:cNvSpPr>
+            <p:nvPr/>
+          </p:nvSpPr>
+          <p:spPr bwMode="gray">
+            <a:xfrm>
+              <a:off x="8845497" y="-1818199"/>
+              <a:ext cx="1370012" cy="560388"/>
+            </a:xfrm>
+            <a:custGeom>
+              <a:avLst/>
+              <a:gdLst>
+                <a:gd name="T0" fmla="*/ 137 w 363"/>
+                <a:gd name="T1" fmla="*/ 138 h 148"/>
+                <a:gd name="T2" fmla="*/ 163 w 363"/>
+                <a:gd name="T3" fmla="*/ 148 h 148"/>
+                <a:gd name="T4" fmla="*/ 189 w 363"/>
+                <a:gd name="T5" fmla="*/ 140 h 148"/>
+                <a:gd name="T6" fmla="*/ 363 w 363"/>
+                <a:gd name="T7" fmla="*/ 32 h 148"/>
+                <a:gd name="T8" fmla="*/ 363 w 363"/>
+                <a:gd name="T9" fmla="*/ 19 h 148"/>
+                <a:gd name="T10" fmla="*/ 348 w 363"/>
+                <a:gd name="T11" fmla="*/ 3 h 148"/>
+                <a:gd name="T12" fmla="*/ 335 w 363"/>
+                <a:gd name="T13" fmla="*/ 0 h 148"/>
+                <a:gd name="T14" fmla="*/ 330 w 363"/>
+                <a:gd name="T15" fmla="*/ 0 h 148"/>
+                <a:gd name="T16" fmla="*/ 13 w 363"/>
+                <a:gd name="T17" fmla="*/ 14 h 148"/>
+                <a:gd name="T18" fmla="*/ 0 w 363"/>
+                <a:gd name="T19" fmla="*/ 27 h 148"/>
+                <a:gd name="T20" fmla="*/ 0 w 363"/>
+                <a:gd name="T21" fmla="*/ 38 h 148"/>
+                <a:gd name="T22" fmla="*/ 137 w 363"/>
+                <a:gd name="T23" fmla="*/ 138 h 148"/>
+              </a:gdLst>
+              <a:ahLst/>
+              <a:cxnLst>
+                <a:cxn ang="0">
+                  <a:pos x="T0" y="T1"/>
+                </a:cxn>
+                <a:cxn ang="0">
+                  <a:pos x="T2" y="T3"/>
+                </a:cxn>
+                <a:cxn ang="0">
+                  <a:pos x="T4" y="T5"/>
+                </a:cxn>
+                <a:cxn ang="0">
+                  <a:pos x="T6" y="T7"/>
+                </a:cxn>
+                <a:cxn ang="0">
+                  <a:pos x="T8" y="T9"/>
+                </a:cxn>
+                <a:cxn ang="0">
+                  <a:pos x="T10" y="T11"/>
+                </a:cxn>
+                <a:cxn ang="0">
+                  <a:pos x="T12" y="T13"/>
+                </a:cxn>
+                <a:cxn ang="0">
+                  <a:pos x="T14" y="T15"/>
+                </a:cxn>
+                <a:cxn ang="0">
+                  <a:pos x="T16" y="T17"/>
+                </a:cxn>
+                <a:cxn ang="0">
+                  <a:pos x="T18" y="T19"/>
+                </a:cxn>
+                <a:cxn ang="0">
+                  <a:pos x="T20" y="T21"/>
+                </a:cxn>
+                <a:cxn ang="0">
+                  <a:pos x="T22" y="T23"/>
+                </a:cxn>
+              </a:cxnLst>
+              <a:rect l="0" t="0" r="r" b="b"/>
+              <a:pathLst>
+                <a:path w="363" h="148">
+                  <a:moveTo>
+                    <a:pt x="137" y="138"/>
+                  </a:moveTo>
+                  <a:cubicBezTo>
+                    <a:pt x="146" y="145"/>
+                    <a:pt x="154" y="148"/>
+                    <a:pt x="163" y="148"/>
+                  </a:cubicBezTo>
+                  <a:cubicBezTo>
+                    <a:pt x="172" y="148"/>
+                    <a:pt x="181" y="145"/>
+                    <a:pt x="189" y="140"/>
+                  </a:cubicBezTo>
+                  <a:cubicBezTo>
+                    <a:pt x="202" y="132"/>
+                    <a:pt x="312" y="64"/>
+                    <a:pt x="363" y="32"/>
+                  </a:cubicBezTo>
+                  <a:cubicBezTo>
+                    <a:pt x="363" y="19"/>
+                    <a:pt x="363" y="19"/>
+                    <a:pt x="363" y="19"/>
+                  </a:cubicBezTo>
+                  <a:cubicBezTo>
+                    <a:pt x="363" y="9"/>
+                    <a:pt x="355" y="5"/>
+                    <a:pt x="348" y="3"/>
+                  </a:cubicBezTo>
+                  <a:cubicBezTo>
+                    <a:pt x="344" y="1"/>
+                    <a:pt x="339" y="1"/>
+                    <a:pt x="335" y="0"/>
+                  </a:cubicBezTo>
+                  <a:cubicBezTo>
+                    <a:pt x="334" y="0"/>
+                    <a:pt x="332" y="0"/>
+                    <a:pt x="330" y="0"/>
+                  </a:cubicBezTo>
+                  <a:cubicBezTo>
+                    <a:pt x="328" y="0"/>
+                    <a:pt x="22" y="14"/>
+                    <a:pt x="13" y="14"/>
+                  </a:cubicBezTo>
+                  <a:cubicBezTo>
+                    <a:pt x="4" y="14"/>
+                    <a:pt x="0" y="18"/>
+                    <a:pt x="0" y="27"/>
+                  </a:cubicBezTo>
+                  <a:cubicBezTo>
+                    <a:pt x="0" y="28"/>
+                    <a:pt x="0" y="30"/>
+                    <a:pt x="0" y="38"/>
+                  </a:cubicBezTo>
+                  <a:cubicBezTo>
+                    <a:pt x="40" y="66"/>
+                    <a:pt x="126" y="130"/>
+                    <a:pt x="137" y="138"/>
+                  </a:cubicBezTo>
+                  <a:close/>
+                </a:path>
+              </a:pathLst>
+            </a:custGeom>
+            <a:solidFill>
+              <a:srgbClr val="FFFFFF"/>
+            </a:solidFill>
+            <a:ln>
+              <a:noFill/>
+              <a:headEnd type="none" w="med" len="med"/>
+              <a:tailEnd type="none" w="med" len="med"/>
+            </a:ln>
+            <a:extLst>
+              <a:ext uri="{91240B29-F687-4f45-9708-019B960494DF}">
+                <a14:hiddenLine xmlns:a14="http://schemas.microsoft.com/office/drawing/2010/main" xmlns="" w="9525">
+                  <a:solidFill>
+                    <a:srgbClr val="000000"/>
+                  </a:solidFill>
+                  <a:round/>
+                  <a:headEnd/>
+                  <a:tailEnd/>
+                </a14:hiddenLine>
+              </a:ext>
+            </a:extLst>
+          </p:spPr>
+          <p:style>
+            <a:lnRef idx="2">
+              <a:schemeClr val="accent3">
+                <a:shade val="50000"/>
+              </a:schemeClr>
+            </a:lnRef>
+            <a:fillRef idx="1">
+              <a:schemeClr val="accent3"/>
+            </a:fillRef>
+            <a:effectRef idx="0">
+              <a:schemeClr val="accent3"/>
+            </a:effectRef>
+            <a:fontRef idx="minor">
+              <a:schemeClr val="lt1"/>
+            </a:fontRef>
+          </p:style>
+          <p:txBody>
+            <a:bodyPr vert="horz" wrap="square" lIns="86137" tIns="43068" rIns="86137" bIns="43068" numCol="1" rtlCol="0" anchor="ctr" anchorCtr="0" compatLnSpc="1">
+              <a:prstTxWarp prst="textNoShape">
+                <a:avLst/>
+              </a:prstTxWarp>
+            </a:bodyPr>
+            <a:lstStyle/>
+            <a:p>
+              <a:pPr defTabSz="697685"/>
+              <a:endParaRPr lang="en-US" sz="848" spc="-116" dirty="0">
+                <a:solidFill>
+                  <a:srgbClr val="505050">
+                    <a:lumMod val="50000"/>
+                  </a:srgbClr>
+                </a:solidFill>
+                <a:latin typeface="Segoe Light" pitchFamily="34" charset="0"/>
+              </a:endParaRPr>
+            </a:p>
+          </p:txBody>
+        </p:sp>
+      </p:grpSp>
+      <p:sp>
+        <p:nvSpPr>
+          <p:cNvPr id="15" name="TextBox 14"/>
+          <p:cNvSpPr txBox="1"/>
+          <p:nvPr/>
+        </p:nvSpPr>
+        <p:spPr>
+          <a:xfrm>
+            <a:off x="627055" y="3108325"/>
+            <a:ext cx="1923976" cy="561211"/>
+          </a:xfrm>
+          <a:prstGeom prst="rect">
+            <a:avLst/>
+          </a:prstGeom>
+          <a:noFill/>
+        </p:spPr>
+        <p:txBody>
+          <a:bodyPr wrap="square" lIns="179285" tIns="143428" rIns="179285" bIns="143428" rtlCol="0">
+            <a:spAutoFit/>
+          </a:bodyPr>
+          <a:lstStyle/>
+          <a:p>
+            <a:pPr>
+              <a:lnSpc>
+                <a:spcPct val="90000"/>
+              </a:lnSpc>
+              <a:spcAft>
+                <a:spcPts val="588"/>
+              </a:spcAft>
+            </a:pPr>
+            <a:r>
+              <a:rPr lang="en-US" sz="1961" dirty="0">
+                <a:gradFill>
+                  <a:gsLst>
+                    <a:gs pos="2917">
+                      <a:srgbClr val="FFFFFF"/>
+                    </a:gs>
+                    <a:gs pos="30000">
+                      <a:srgbClr val="FFFFFF"/>
+                    </a:gs>
+                  </a:gsLst>
+                  <a:lin ang="5400000" scaled="0"/>
+                </a:gradFill>
+              </a:rPr>
+              <a:t>Mobile SDKs</a:t>
+            </a:r>
+          </a:p>
+        </p:txBody>
+      </p:sp>
+      <p:sp>
+        <p:nvSpPr>
+          <p:cNvPr id="125" name="TextBox 124"/>
+          <p:cNvSpPr txBox="1"/>
+          <p:nvPr/>
+        </p:nvSpPr>
+        <p:spPr>
+          <a:xfrm>
+            <a:off x="4808391" y="1501790"/>
+            <a:ext cx="1954202" cy="1558962"/>
+          </a:xfrm>
+          <a:prstGeom prst="rect">
+            <a:avLst/>
+          </a:prstGeom>
+          <a:solidFill>
+            <a:schemeClr val="accent1"/>
+          </a:solidFill>
+          <a:ln w="6350" cap="flat" cmpd="sng" algn="ctr">
+            <a:noFill/>
+            <a:prstDash val="solid"/>
+            <a:miter lim="800000"/>
+            <a:headEnd type="none" w="med" len="med"/>
+            <a:tailEnd type="none" w="med" len="med"/>
+          </a:ln>
+          <a:effectLst/>
+        </p:spPr>
+        <p:txBody>
+          <a:bodyPr rot="0" spcFirstLastPara="0" vertOverflow="overflow" horzOverflow="overflow" vert="horz" wrap="square" lIns="172281" tIns="137825" rIns="172281" bIns="137825" numCol="1" spcCol="0" rtlCol="0" fromWordArt="0" anchor="t" anchorCtr="0" forceAA="0" compatLnSpc="1">
+            <a:prstTxWarp prst="textNoShape">
+              <a:avLst/>
+            </a:prstTxWarp>
+            <a:noAutofit/>
+          </a:bodyPr>
+          <a:lstStyle>
+            <a:defPPr>
+              <a:defRPr lang="en-US"/>
+            </a:defPPr>
+            <a:lvl1pPr defTabSz="913926" fontAlgn="base">
+              <a:lnSpc>
+                <a:spcPct val="90000"/>
+              </a:lnSpc>
+              <a:spcBef>
+                <a:spcPct val="0"/>
+              </a:spcBef>
+              <a:spcAft>
+                <a:spcPct val="0"/>
+              </a:spcAft>
+              <a:defRPr sz="2353" b="1" kern="0">
+                <a:gradFill>
+                  <a:gsLst>
+                    <a:gs pos="0">
+                      <a:srgbClr val="FFFFFF"/>
+                    </a:gs>
+                    <a:gs pos="100000">
+                      <a:srgbClr val="FFFFFF"/>
+                    </a:gs>
+                  </a:gsLst>
+                  <a:lin ang="5400000" scaled="0"/>
+                </a:gradFill>
+                <a:latin typeface="Segoe UI"/>
+                <a:ea typeface="Segoe UI" pitchFamily="34" charset="0"/>
+                <a:cs typeface="Segoe UI" pitchFamily="34" charset="0"/>
+              </a:defRPr>
+            </a:lvl1pPr>
+          </a:lstStyle>
+          <a:p>
+            <a:pPr defTabSz="878559">
+              <a:tabLst>
+                <a:tab pos="861251" algn="l"/>
+              </a:tabLst>
+              <a:defRPr/>
+            </a:pPr>
+            <a:endParaRPr lang="en-US" sz="2262" b="0" dirty="0"/>
+          </a:p>
+        </p:txBody>
+      </p:sp>
+      <p:grpSp>
+        <p:nvGrpSpPr>
+          <p:cNvPr id="66" name="Group 65"/>
+          <p:cNvGrpSpPr/>
+          <p:nvPr/>
+        </p:nvGrpSpPr>
+        <p:grpSpPr>
+          <a:xfrm>
+            <a:off x="10245497" y="1659264"/>
+            <a:ext cx="1546976" cy="4352008"/>
+            <a:chOff x="10450940" y="1692039"/>
+            <a:chExt cx="1577996" cy="4439275"/>
+          </a:xfrm>
+        </p:grpSpPr>
+        <p:sp>
+          <p:nvSpPr>
+            <p:cNvPr id="9" name="TextBox 8"/>
+            <p:cNvSpPr txBox="1"/>
+            <p:nvPr/>
+          </p:nvSpPr>
+          <p:spPr>
+            <a:xfrm>
+              <a:off x="10450940" y="1692039"/>
+              <a:ext cx="1577996" cy="517065"/>
+            </a:xfrm>
+            <a:prstGeom prst="rect">
+              <a:avLst/>
+            </a:prstGeom>
+            <a:noFill/>
+          </p:spPr>
+          <p:txBody>
+            <a:bodyPr wrap="none" lIns="179285" tIns="143428" rIns="179285" bIns="143428" rtlCol="0">
+              <a:spAutoFit/>
+            </a:bodyPr>
+            <a:lstStyle/>
+            <a:p>
+              <a:pPr>
+                <a:lnSpc>
+                  <a:spcPct val="90000"/>
+                </a:lnSpc>
+                <a:spcAft>
+                  <a:spcPts val="588"/>
+                </a:spcAft>
+              </a:pPr>
+              <a:r>
+                <a:rPr lang="en-US" sz="1568" dirty="0">
+                  <a:solidFill>
+                    <a:srgbClr val="FFFFFF"/>
+                  </a:solidFill>
+                  <a:latin typeface="Segoe UI Light"/>
+                </a:rPr>
+                <a:t>Backend code</a:t>
+              </a:r>
+            </a:p>
+          </p:txBody>
+        </p:sp>
+        <p:pic>
+          <p:nvPicPr>
+            <p:cNvPr id="14" name="Picture 13"/>
+            <p:cNvPicPr>
+              <a:picLocks noChangeAspect="1"/>
+            </p:cNvPicPr>
+            <p:nvPr/>
+          </p:nvPicPr>
+          <p:blipFill>
+            <a:blip r:embed="rId13" cstate="print">
+              <a:extLst>
+                <a:ext uri="{28A0092B-C50C-407E-A947-70E740481C1C}">
+                  <a14:useLocalDpi xmlns:a14="http://schemas.microsoft.com/office/drawing/2010/main" val="0"/>
+                </a:ext>
+              </a:extLst>
+            </a:blip>
+            <a:stretch>
+              <a:fillRect/>
+            </a:stretch>
+          </p:blipFill>
+          <p:spPr>
+            <a:xfrm>
+              <a:off x="10764692" y="2870244"/>
+              <a:ext cx="962121" cy="962121"/>
+            </a:xfrm>
+            <a:prstGeom prst="rect">
+              <a:avLst/>
+            </a:prstGeom>
+          </p:spPr>
+        </p:pic>
+        <p:grpSp>
+          <p:nvGrpSpPr>
+            <p:cNvPr id="46" name="Group 45"/>
+            <p:cNvGrpSpPr/>
+            <p:nvPr/>
+          </p:nvGrpSpPr>
+          <p:grpSpPr>
+            <a:xfrm>
+              <a:off x="10594693" y="4716462"/>
+              <a:ext cx="1254699" cy="353664"/>
+              <a:chOff x="10666142" y="3788556"/>
+              <a:chExt cx="1254699" cy="353664"/>
+            </a:xfrm>
+          </p:grpSpPr>
+          <p:pic>
+            <p:nvPicPr>
+              <p:cNvPr id="18" name="Picture 17"/>
+              <p:cNvPicPr>
+                <a:picLocks noChangeAspect="1"/>
+              </p:cNvPicPr>
+              <p:nvPr/>
+            </p:nvPicPr>
+            <p:blipFill>
+              <a:blip r:embed="rId14" cstate="print">
+                <a:extLst>
+                  <a:ext uri="{28A0092B-C50C-407E-A947-70E740481C1C}">
+                    <a14:useLocalDpi xmlns:a14="http://schemas.microsoft.com/office/drawing/2010/main" val="0"/>
+                  </a:ext>
+                </a:extLst>
+              </a:blip>
+              <a:stretch>
+                <a:fillRect/>
+              </a:stretch>
+            </p:blipFill>
+            <p:spPr>
+              <a:xfrm>
+                <a:off x="10666142" y="3799051"/>
+                <a:ext cx="343169" cy="343169"/>
+              </a:xfrm>
+              <a:prstGeom prst="rect">
+                <a:avLst/>
+              </a:prstGeom>
+            </p:spPr>
+          </p:pic>
+          <p:pic>
+            <p:nvPicPr>
+              <p:cNvPr id="20" name="Picture 19"/>
+              <p:cNvPicPr>
+                <a:picLocks noChangeAspect="1"/>
+              </p:cNvPicPr>
+              <p:nvPr/>
+            </p:nvPicPr>
+            <p:blipFill>
+              <a:blip r:embed="rId15" cstate="print">
+                <a:extLst>
+                  <a:ext uri="{28A0092B-C50C-407E-A947-70E740481C1C}">
+                    <a14:useLocalDpi xmlns:a14="http://schemas.microsoft.com/office/drawing/2010/main" val="0"/>
+                  </a:ext>
+                </a:extLst>
+              </a:blip>
+              <a:stretch>
+                <a:fillRect/>
+              </a:stretch>
+            </p:blipFill>
+            <p:spPr>
+              <a:xfrm>
+                <a:off x="11117604" y="3793399"/>
+                <a:ext cx="347472" cy="347472"/>
+              </a:xfrm>
+              <a:prstGeom prst="rect">
+                <a:avLst/>
+              </a:prstGeom>
+            </p:spPr>
+          </p:pic>
+          <p:pic>
+            <p:nvPicPr>
+              <p:cNvPr id="22" name="Picture 21"/>
+              <p:cNvPicPr>
+                <a:picLocks noChangeAspect="1"/>
+              </p:cNvPicPr>
+              <p:nvPr/>
+            </p:nvPicPr>
+            <p:blipFill>
+              <a:blip r:embed="rId16" cstate="print">
+                <a:extLst>
+                  <a:ext uri="{28A0092B-C50C-407E-A947-70E740481C1C}">
+                    <a14:useLocalDpi xmlns:a14="http://schemas.microsoft.com/office/drawing/2010/main" val="0"/>
+                  </a:ext>
+                </a:extLst>
+              </a:blip>
+              <a:stretch>
+                <a:fillRect/>
+              </a:stretch>
+            </p:blipFill>
+            <p:spPr>
+              <a:xfrm>
+                <a:off x="11573369" y="3788556"/>
+                <a:ext cx="347472" cy="347472"/>
+              </a:xfrm>
+              <a:prstGeom prst="rect">
+                <a:avLst/>
+              </a:prstGeom>
+            </p:spPr>
+          </p:pic>
+        </p:grpSp>
+        <p:grpSp>
+          <p:nvGrpSpPr>
+            <p:cNvPr id="45" name="Group 44"/>
+            <p:cNvGrpSpPr/>
+            <p:nvPr/>
+          </p:nvGrpSpPr>
+          <p:grpSpPr>
+            <a:xfrm>
+              <a:off x="10594693" y="5234193"/>
+              <a:ext cx="1262837" cy="377385"/>
+              <a:chOff x="10658004" y="4273237"/>
+              <a:chExt cx="1262837" cy="377385"/>
+            </a:xfrm>
+          </p:grpSpPr>
+          <p:pic>
+            <p:nvPicPr>
+              <p:cNvPr id="17" name="Picture 16"/>
+              <p:cNvPicPr>
+                <a:picLocks noChangeAspect="1"/>
+              </p:cNvPicPr>
+              <p:nvPr/>
+            </p:nvPicPr>
+            <p:blipFill>
+              <a:blip r:embed="rId17" cstate="print">
+                <a:extLst>
+                  <a:ext uri="{28A0092B-C50C-407E-A947-70E740481C1C}">
+                    <a14:useLocalDpi xmlns:a14="http://schemas.microsoft.com/office/drawing/2010/main" val="0"/>
+                  </a:ext>
+                </a:extLst>
+              </a:blip>
+              <a:stretch>
+                <a:fillRect/>
+              </a:stretch>
+            </p:blipFill>
+            <p:spPr>
+              <a:xfrm>
+                <a:off x="10658004" y="4300569"/>
+                <a:ext cx="350053" cy="350053"/>
+              </a:xfrm>
+              <a:prstGeom prst="rect">
+                <a:avLst/>
+              </a:prstGeom>
+            </p:spPr>
+          </p:pic>
+          <p:pic>
+            <p:nvPicPr>
+              <p:cNvPr id="21" name="Picture 20"/>
+              <p:cNvPicPr>
+                <a:picLocks noChangeAspect="1"/>
+              </p:cNvPicPr>
+              <p:nvPr/>
+            </p:nvPicPr>
+            <p:blipFill>
+              <a:blip r:embed="rId18" cstate="print">
+                <a:extLst>
+                  <a:ext uri="{28A0092B-C50C-407E-A947-70E740481C1C}">
+                    <a14:useLocalDpi xmlns:a14="http://schemas.microsoft.com/office/drawing/2010/main" val="0"/>
+                  </a:ext>
+                </a:extLst>
+              </a:blip>
+              <a:stretch>
+                <a:fillRect/>
+              </a:stretch>
+            </p:blipFill>
+            <p:spPr>
+              <a:xfrm>
+                <a:off x="11122311" y="4273237"/>
+                <a:ext cx="347472" cy="347472"/>
+              </a:xfrm>
+              <a:prstGeom prst="rect">
+                <a:avLst/>
+              </a:prstGeom>
+            </p:spPr>
+          </p:pic>
+          <p:pic>
+            <p:nvPicPr>
+              <p:cNvPr id="25" name="Picture 24"/>
+              <p:cNvPicPr>
+                <a:picLocks noChangeAspect="1"/>
+              </p:cNvPicPr>
+              <p:nvPr/>
+            </p:nvPicPr>
+            <p:blipFill>
+              <a:blip r:embed="rId19" cstate="print">
+                <a:extLst>
+                  <a:ext uri="{28A0092B-C50C-407E-A947-70E740481C1C}">
+                    <a14:useLocalDpi xmlns:a14="http://schemas.microsoft.com/office/drawing/2010/main" val="0"/>
+                  </a:ext>
+                </a:extLst>
+              </a:blip>
+              <a:stretch>
+                <a:fillRect/>
+              </a:stretch>
+            </p:blipFill>
+            <p:spPr>
+              <a:xfrm>
+                <a:off x="11573369" y="4300569"/>
+                <a:ext cx="347472" cy="347472"/>
+              </a:xfrm>
+              <a:prstGeom prst="rect">
+                <a:avLst/>
+              </a:prstGeom>
+            </p:spPr>
+          </p:pic>
+        </p:grpSp>
+        <p:grpSp>
+          <p:nvGrpSpPr>
+            <p:cNvPr id="47" name="Group 46"/>
+            <p:cNvGrpSpPr/>
+            <p:nvPr/>
+          </p:nvGrpSpPr>
+          <p:grpSpPr>
+            <a:xfrm>
+              <a:off x="10594693" y="5775646"/>
+              <a:ext cx="1262837" cy="355668"/>
+              <a:chOff x="10658004" y="4808787"/>
+              <a:chExt cx="1262837" cy="355668"/>
+            </a:xfrm>
+          </p:grpSpPr>
+          <p:pic>
+            <p:nvPicPr>
+              <p:cNvPr id="26" name="Picture 25"/>
+              <p:cNvPicPr>
+                <a:picLocks noChangeAspect="1"/>
+              </p:cNvPicPr>
+              <p:nvPr/>
+            </p:nvPicPr>
+            <p:blipFill>
+              <a:blip r:embed="rId20" cstate="print">
+                <a:extLst>
+                  <a:ext uri="{28A0092B-C50C-407E-A947-70E740481C1C}">
+                    <a14:useLocalDpi xmlns:a14="http://schemas.microsoft.com/office/drawing/2010/main" val="0"/>
+                  </a:ext>
+                </a:extLst>
+              </a:blip>
+              <a:stretch>
+                <a:fillRect/>
+              </a:stretch>
+            </p:blipFill>
+            <p:spPr>
+              <a:xfrm>
+                <a:off x="10658004" y="4816983"/>
+                <a:ext cx="347472" cy="347472"/>
+              </a:xfrm>
+              <a:prstGeom prst="rect">
+                <a:avLst/>
+              </a:prstGeom>
+            </p:spPr>
+          </p:pic>
+          <p:pic>
+            <p:nvPicPr>
+              <p:cNvPr id="27" name="Picture 26"/>
+              <p:cNvPicPr>
+                <a:picLocks noChangeAspect="1"/>
+              </p:cNvPicPr>
+              <p:nvPr/>
+            </p:nvPicPr>
+            <p:blipFill>
+              <a:blip r:embed="rId21" cstate="print">
+                <a:extLst>
+                  <a:ext uri="{28A0092B-C50C-407E-A947-70E740481C1C}">
+                    <a14:useLocalDpi xmlns:a14="http://schemas.microsoft.com/office/drawing/2010/main" val="0"/>
+                  </a:ext>
+                </a:extLst>
+              </a:blip>
+              <a:stretch>
+                <a:fillRect/>
+              </a:stretch>
+            </p:blipFill>
+            <p:spPr>
+              <a:xfrm>
+                <a:off x="11119545" y="4816983"/>
+                <a:ext cx="343589" cy="343589"/>
+              </a:xfrm>
+              <a:prstGeom prst="rect">
+                <a:avLst/>
+              </a:prstGeom>
+            </p:spPr>
+          </p:pic>
+          <p:pic>
+            <p:nvPicPr>
+              <p:cNvPr id="41" name="Picture 40"/>
+              <p:cNvPicPr>
+                <a:picLocks noChangeAspect="1"/>
+              </p:cNvPicPr>
+              <p:nvPr/>
+            </p:nvPicPr>
+            <p:blipFill>
+              <a:blip r:embed="rId22" cstate="print">
+                <a:extLst>
+                  <a:ext uri="{28A0092B-C50C-407E-A947-70E740481C1C}">
+                    <a14:useLocalDpi xmlns:a14="http://schemas.microsoft.com/office/drawing/2010/main" val="0"/>
+                  </a:ext>
+                </a:extLst>
+              </a:blip>
+              <a:stretch>
+                <a:fillRect/>
+              </a:stretch>
+            </p:blipFill>
+            <p:spPr>
+              <a:xfrm>
+                <a:off x="11573369" y="4808787"/>
+                <a:ext cx="347472" cy="347472"/>
+              </a:xfrm>
+              <a:prstGeom prst="rect">
+                <a:avLst/>
+              </a:prstGeom>
+            </p:spPr>
+          </p:pic>
+        </p:grpSp>
+      </p:grpSp>
+      <p:grpSp>
+        <p:nvGrpSpPr>
+          <p:cNvPr id="60" name="Group 59"/>
+          <p:cNvGrpSpPr/>
+          <p:nvPr/>
+        </p:nvGrpSpPr>
+        <p:grpSpPr>
+          <a:xfrm>
+            <a:off x="6811281" y="2161447"/>
+            <a:ext cx="689118" cy="894043"/>
+            <a:chOff x="6967218" y="2204292"/>
+            <a:chExt cx="702936" cy="911970"/>
+          </a:xfrm>
+        </p:grpSpPr>
+        <p:pic>
+          <p:nvPicPr>
+            <p:cNvPr id="132" name="Picture 131"/>
+            <p:cNvPicPr>
+              <a:picLocks noChangeAspect="1"/>
+            </p:cNvPicPr>
+            <p:nvPr/>
+          </p:nvPicPr>
+          <p:blipFill>
+            <a:blip r:embed="rId23" cstate="print">
+              <a:extLst>
+                <a:ext uri="{28A0092B-C50C-407E-A947-70E740481C1C}">
+                  <a14:useLocalDpi xmlns:a14="http://schemas.microsoft.com/office/drawing/2010/main" val="0"/>
+                </a:ext>
+              </a:extLst>
+            </a:blip>
+            <a:stretch>
+              <a:fillRect/>
+            </a:stretch>
+          </p:blipFill>
+          <p:spPr>
+            <a:xfrm>
+              <a:off x="6976525" y="2204292"/>
+              <a:ext cx="684322" cy="513241"/>
+            </a:xfrm>
+            <a:prstGeom prst="rect">
+              <a:avLst/>
+            </a:prstGeom>
+          </p:spPr>
+        </p:pic>
+        <p:sp>
+          <p:nvSpPr>
+            <p:cNvPr id="133" name="TextBox 132"/>
+            <p:cNvSpPr txBox="1"/>
+            <p:nvPr/>
+          </p:nvSpPr>
+          <p:spPr>
+            <a:xfrm>
+              <a:off x="6967218" y="2683230"/>
+              <a:ext cx="702936" cy="433032"/>
+            </a:xfrm>
+            <a:prstGeom prst="rect">
+              <a:avLst/>
+            </a:prstGeom>
+            <a:noFill/>
+          </p:spPr>
+          <p:txBody>
+            <a:bodyPr wrap="square" lIns="172281" tIns="137825" rIns="172281" bIns="137825" rtlCol="0">
+              <a:spAutoFit/>
+            </a:bodyPr>
+            <a:lstStyle/>
+            <a:p>
+              <a:pPr algn="ctr" defTabSz="878414">
+                <a:lnSpc>
+                  <a:spcPct val="90000"/>
+                </a:lnSpc>
+                <a:defRPr/>
+              </a:pPr>
+              <a:r>
+                <a:rPr lang="en-US" sz="980" kern="0" dirty="0">
+                  <a:solidFill>
+                    <a:srgbClr val="FFFFFF"/>
+                  </a:solidFill>
+                </a:rPr>
+                <a:t>SQL</a:t>
+              </a:r>
+            </a:p>
+          </p:txBody>
+        </p:sp>
+      </p:grpSp>
+      <p:grpSp>
+        <p:nvGrpSpPr>
+          <p:cNvPr id="63" name="Group 62"/>
+          <p:cNvGrpSpPr/>
+          <p:nvPr/>
+        </p:nvGrpSpPr>
+        <p:grpSpPr>
+          <a:xfrm>
+            <a:off x="7924952" y="2131506"/>
+            <a:ext cx="1009727" cy="921317"/>
+            <a:chOff x="8134624" y="2173750"/>
+            <a:chExt cx="1029974" cy="939791"/>
+          </a:xfrm>
+        </p:grpSpPr>
+        <p:pic>
+          <p:nvPicPr>
+            <p:cNvPr id="135" name="Picture 134" descr="mongodb white.png"/>
+            <p:cNvPicPr>
+              <a:picLocks noChangeAspect="1"/>
+            </p:cNvPicPr>
+            <p:nvPr/>
+          </p:nvPicPr>
+          <p:blipFill>
+            <a:blip r:embed="rId24" cstate="print">
+              <a:clrChange>
+                <a:clrFrom>
+                  <a:srgbClr val="89D1E5"/>
+                </a:clrFrom>
+                <a:clrTo>
+                  <a:srgbClr val="89D1E5">
+                    <a:alpha val="0"/>
+                  </a:srgbClr>
+                </a:clrTo>
+              </a:clrChange>
+              <a:extLst>
+                <a:ext uri="{BEBA8EAE-BF5A-486C-A8C5-ECC9F3942E4B}">
+                  <a14:imgProps xmlns:a14="http://schemas.microsoft.com/office/drawing/2010/main">
+                    <a14:imgLayer r:embed="rId25">
+                      <a14:imgEffect>
+                        <a14:backgroundRemoval t="9885" b="100000" l="9885" r="89885">
+                          <a14:foregroundMark x1="56782" y1="41379" x2="56782" y2="41379"/>
+                          <a14:foregroundMark x1="48046" y1="90575" x2="48046" y2="90575"/>
+                          <a14:foregroundMark x1="50575" y1="86207" x2="50575" y2="86207"/>
+                        </a14:backgroundRemoval>
+                      </a14:imgEffect>
+                    </a14:imgLayer>
+                  </a14:imgProps>
+                </a:ext>
+                <a:ext uri="{28A0092B-C50C-407E-A947-70E740481C1C}">
+                  <a14:useLocalDpi xmlns:a14="http://schemas.microsoft.com/office/drawing/2010/main" val="0"/>
+                </a:ext>
+              </a:extLst>
+            </a:blip>
+            <a:stretch>
+              <a:fillRect/>
+            </a:stretch>
+          </p:blipFill>
+          <p:spPr>
+            <a:xfrm>
+              <a:off x="8355460" y="2173750"/>
+              <a:ext cx="588302" cy="588302"/>
+            </a:xfrm>
+            <a:prstGeom prst="rect">
+              <a:avLst/>
+            </a:prstGeom>
+          </p:spPr>
+        </p:pic>
+        <p:sp>
+          <p:nvSpPr>
+            <p:cNvPr id="136" name="TextBox 135"/>
+            <p:cNvSpPr txBox="1"/>
+            <p:nvPr/>
+          </p:nvSpPr>
+          <p:spPr>
+            <a:xfrm>
+              <a:off x="8134624" y="2683230"/>
+              <a:ext cx="1029974" cy="430311"/>
+            </a:xfrm>
+            <a:prstGeom prst="rect">
+              <a:avLst/>
+            </a:prstGeom>
+            <a:noFill/>
+          </p:spPr>
+          <p:txBody>
+            <a:bodyPr wrap="square" lIns="172281" tIns="137825" rIns="172281" bIns="137825" rtlCol="0">
+              <a:spAutoFit/>
+            </a:bodyPr>
+            <a:lstStyle/>
+            <a:p>
+              <a:pPr algn="ctr" defTabSz="878414">
+                <a:lnSpc>
+                  <a:spcPct val="90000"/>
+                </a:lnSpc>
+                <a:defRPr/>
+              </a:pPr>
+              <a:r>
+                <a:rPr lang="en-US" sz="980" kern="0" dirty="0">
+                  <a:solidFill>
+                    <a:srgbClr val="FFFFFF"/>
+                  </a:solidFill>
+                </a:rPr>
+                <a:t>Mongo</a:t>
+              </a:r>
+              <a:endParaRPr lang="en-US" sz="980" kern="0" dirty="0">
+                <a:solidFill>
+                  <a:srgbClr val="FFFFFF"/>
+                </a:solidFill>
+              </a:endParaRPr>
+            </a:p>
+          </p:txBody>
+        </p:sp>
+      </p:grpSp>
+      <p:grpSp>
+        <p:nvGrpSpPr>
+          <p:cNvPr id="62" name="Group 61"/>
+          <p:cNvGrpSpPr/>
+          <p:nvPr/>
+        </p:nvGrpSpPr>
+        <p:grpSpPr>
+          <a:xfrm>
+            <a:off x="7371084" y="2166535"/>
+            <a:ext cx="861395" cy="886658"/>
+            <a:chOff x="7499762" y="2209104"/>
+            <a:chExt cx="878668" cy="904437"/>
+          </a:xfrm>
+        </p:grpSpPr>
+        <p:sp>
+          <p:nvSpPr>
+            <p:cNvPr id="138" name="TextBox 137"/>
+            <p:cNvSpPr txBox="1"/>
+            <p:nvPr/>
+          </p:nvSpPr>
+          <p:spPr>
+            <a:xfrm>
+              <a:off x="7499762" y="2683230"/>
+              <a:ext cx="878668" cy="430311"/>
+            </a:xfrm>
+            <a:prstGeom prst="rect">
+              <a:avLst/>
+            </a:prstGeom>
+            <a:noFill/>
+          </p:spPr>
+          <p:txBody>
+            <a:bodyPr wrap="square" lIns="172281" tIns="137825" rIns="172281" bIns="137825" rtlCol="0">
+              <a:spAutoFit/>
+            </a:bodyPr>
+            <a:lstStyle/>
+            <a:p>
+              <a:pPr algn="ctr" defTabSz="878414">
+                <a:lnSpc>
+                  <a:spcPct val="90000"/>
+                </a:lnSpc>
+                <a:defRPr/>
+              </a:pPr>
+              <a:r>
+                <a:rPr lang="en-US" sz="980" kern="0" dirty="0">
+                  <a:solidFill>
+                    <a:srgbClr val="FFFFFF"/>
+                  </a:solidFill>
+                </a:rPr>
+                <a:t>Tables</a:t>
+              </a:r>
+              <a:endParaRPr lang="en-US" sz="980" kern="0" dirty="0">
+                <a:solidFill>
+                  <a:srgbClr val="FFFFFF"/>
+                </a:solidFill>
+              </a:endParaRPr>
+            </a:p>
+          </p:txBody>
+        </p:sp>
+        <p:pic>
+          <p:nvPicPr>
+            <p:cNvPr id="139" name="Picture 138"/>
+            <p:cNvPicPr>
+              <a:picLocks noChangeAspect="1"/>
+            </p:cNvPicPr>
+            <p:nvPr/>
+          </p:nvPicPr>
+          <p:blipFill>
+            <a:blip r:embed="rId26">
+              <a:biLevel thresh="25000"/>
+            </a:blip>
+            <a:stretch>
+              <a:fillRect/>
+            </a:stretch>
+          </p:blipFill>
+          <p:spPr>
+            <a:xfrm>
+              <a:off x="7643886" y="2209104"/>
+              <a:ext cx="590420" cy="513241"/>
+            </a:xfrm>
+            <a:prstGeom prst="rect">
+              <a:avLst/>
+            </a:prstGeom>
+          </p:spPr>
+        </p:pic>
+      </p:grpSp>
+      <p:grpSp>
+        <p:nvGrpSpPr>
+          <p:cNvPr id="64" name="Group 63"/>
+          <p:cNvGrpSpPr/>
+          <p:nvPr/>
+        </p:nvGrpSpPr>
+        <p:grpSpPr>
+          <a:xfrm>
+            <a:off x="8507213" y="2091725"/>
+            <a:ext cx="1009727" cy="961097"/>
+            <a:chOff x="8737007" y="2133171"/>
+            <a:chExt cx="1029974" cy="980369"/>
+          </a:xfrm>
+        </p:grpSpPr>
+        <p:pic>
+          <p:nvPicPr>
+            <p:cNvPr id="61" name="Picture 60"/>
+            <p:cNvPicPr>
+              <a:picLocks noChangeAspect="1"/>
+            </p:cNvPicPr>
+            <p:nvPr/>
+          </p:nvPicPr>
+          <p:blipFill>
+            <a:blip r:embed="rId27"/>
+            <a:stretch>
+              <a:fillRect/>
+            </a:stretch>
+          </p:blipFill>
+          <p:spPr>
+            <a:xfrm>
+              <a:off x="8979850" y="2133171"/>
+              <a:ext cx="544289" cy="667661"/>
+            </a:xfrm>
+            <a:prstGeom prst="rect">
+              <a:avLst/>
+            </a:prstGeom>
+          </p:spPr>
+        </p:pic>
+        <p:sp>
+          <p:nvSpPr>
+            <p:cNvPr id="144" name="TextBox 143"/>
+            <p:cNvSpPr txBox="1"/>
+            <p:nvPr/>
+          </p:nvSpPr>
+          <p:spPr>
+            <a:xfrm>
+              <a:off x="8737007" y="2683229"/>
+              <a:ext cx="1029974" cy="430311"/>
+            </a:xfrm>
+            <a:prstGeom prst="rect">
+              <a:avLst/>
+            </a:prstGeom>
+            <a:noFill/>
+          </p:spPr>
+          <p:txBody>
+            <a:bodyPr wrap="square" lIns="172281" tIns="137825" rIns="172281" bIns="137825" rtlCol="0">
+              <a:spAutoFit/>
+            </a:bodyPr>
+            <a:lstStyle/>
+            <a:p>
+              <a:pPr algn="ctr" defTabSz="878414">
+                <a:lnSpc>
+                  <a:spcPct val="90000"/>
+                </a:lnSpc>
+                <a:defRPr/>
+              </a:pPr>
+              <a:r>
+                <a:rPr lang="en-US" sz="980" kern="0" dirty="0">
+                  <a:solidFill>
+                    <a:srgbClr val="FFFFFF"/>
+                  </a:solidFill>
+                </a:rPr>
+                <a:t>O365</a:t>
+              </a:r>
+              <a:endParaRPr lang="en-US" sz="980" kern="0" dirty="0">
+                <a:solidFill>
+                  <a:srgbClr val="FFFFFF"/>
+                </a:solidFill>
+              </a:endParaRPr>
+            </a:p>
+          </p:txBody>
+        </p:sp>
+      </p:grpSp>
+      <p:grpSp>
+        <p:nvGrpSpPr>
+          <p:cNvPr id="65" name="Group 64"/>
+          <p:cNvGrpSpPr/>
+          <p:nvPr/>
+        </p:nvGrpSpPr>
+        <p:grpSpPr>
+          <a:xfrm>
+            <a:off x="9222511" y="2154605"/>
+            <a:ext cx="1009727" cy="898215"/>
+            <a:chOff x="9407441" y="2197313"/>
+            <a:chExt cx="1029974" cy="916226"/>
+          </a:xfrm>
+        </p:grpSpPr>
+        <p:pic>
+          <p:nvPicPr>
+            <p:cNvPr id="59" name="Picture 58"/>
+            <p:cNvPicPr>
+              <a:picLocks noChangeAspect="1"/>
+            </p:cNvPicPr>
+            <p:nvPr/>
+          </p:nvPicPr>
+          <p:blipFill>
+            <a:blip r:embed="rId28"/>
+            <a:stretch>
+              <a:fillRect/>
+            </a:stretch>
+          </p:blipFill>
+          <p:spPr>
+            <a:xfrm>
+              <a:off x="9691715" y="2197313"/>
+              <a:ext cx="520220" cy="520220"/>
+            </a:xfrm>
+            <a:prstGeom prst="rect">
+              <a:avLst/>
+            </a:prstGeom>
+          </p:spPr>
+        </p:pic>
+        <p:sp>
+          <p:nvSpPr>
+            <p:cNvPr id="145" name="TextBox 144"/>
+            <p:cNvSpPr txBox="1"/>
+            <p:nvPr/>
+          </p:nvSpPr>
+          <p:spPr>
+            <a:xfrm>
+              <a:off x="9407441" y="2683228"/>
+              <a:ext cx="1029974" cy="430311"/>
+            </a:xfrm>
+            <a:prstGeom prst="rect">
+              <a:avLst/>
+            </a:prstGeom>
+            <a:noFill/>
+          </p:spPr>
+          <p:txBody>
+            <a:bodyPr wrap="square" lIns="172281" tIns="137825" rIns="172281" bIns="137825" rtlCol="0">
+              <a:spAutoFit/>
+            </a:bodyPr>
+            <a:lstStyle/>
+            <a:p>
+              <a:pPr algn="ctr" defTabSz="878414">
+                <a:lnSpc>
+                  <a:spcPct val="90000"/>
+                </a:lnSpc>
+                <a:defRPr/>
+              </a:pPr>
+              <a:r>
+                <a:rPr lang="en-US" sz="980" kern="0" dirty="0">
+                  <a:solidFill>
+                    <a:srgbClr val="FFFFFF"/>
+                  </a:solidFill>
+                </a:rPr>
+                <a:t>API Apps</a:t>
+              </a:r>
+              <a:endParaRPr lang="en-US" sz="980" kern="0" dirty="0">
+                <a:solidFill>
+                  <a:srgbClr val="FFFFFF"/>
+                </a:solidFill>
+              </a:endParaRPr>
+            </a:p>
+          </p:txBody>
+        </p:sp>
+      </p:grpSp>
+      <p:grpSp>
+        <p:nvGrpSpPr>
+          <p:cNvPr id="70" name="Group 69"/>
+          <p:cNvGrpSpPr/>
+          <p:nvPr/>
+        </p:nvGrpSpPr>
+        <p:grpSpPr>
+          <a:xfrm>
+            <a:off x="4831715" y="1472144"/>
+            <a:ext cx="1859703" cy="1234066"/>
+            <a:chOff x="4928600" y="1501167"/>
+            <a:chExt cx="1896994" cy="1258812"/>
+          </a:xfrm>
+        </p:grpSpPr>
+        <p:sp>
+          <p:nvSpPr>
+            <p:cNvPr id="126" name="Right Arrow 125"/>
+            <p:cNvSpPr/>
+            <p:nvPr/>
+          </p:nvSpPr>
+          <p:spPr bwMode="auto">
+            <a:xfrm>
+              <a:off x="5582252" y="2138160"/>
+              <a:ext cx="667558" cy="303871"/>
+            </a:xfrm>
+            <a:prstGeom prst="rightArrow">
+              <a:avLst/>
+            </a:prstGeom>
+            <a:solidFill>
+              <a:srgbClr val="FFC000"/>
+            </a:solidFill>
+            <a:ln>
+              <a:noFill/>
+              <a:headEnd type="none" w="med" len="med"/>
+              <a:tailEnd type="none" w="med" len="med"/>
+            </a:ln>
+            <a:effectLst/>
+          </p:spPr>
+          <p:style>
+            <a:lnRef idx="1">
+              <a:schemeClr val="accent2"/>
+            </a:lnRef>
+            <a:fillRef idx="3">
+              <a:schemeClr val="accent2"/>
+            </a:fillRef>
+            <a:effectRef idx="2">
+              <a:schemeClr val="accent2"/>
+            </a:effectRef>
+            <a:fontRef idx="minor">
+              <a:schemeClr val="lt1"/>
+            </a:fontRef>
+          </p:style>
+          <p:txBody>
+            <a:bodyPr rot="0" spcFirstLastPara="0" vertOverflow="overflow" horzOverflow="overflow" vert="horz" wrap="square" lIns="175761" tIns="140609" rIns="175761" bIns="140609" numCol="1" spcCol="0" rtlCol="0" fromWordArt="0" anchor="t" anchorCtr="0" forceAA="0" compatLnSpc="1">
+              <a:prstTxWarp prst="textNoShape">
+                <a:avLst/>
+              </a:prstTxWarp>
+              <a:noAutofit/>
+            </a:bodyPr>
+            <a:lstStyle/>
+            <a:p>
+              <a:pPr algn="ctr" defTabSz="896094" fontAlgn="base">
+                <a:lnSpc>
+                  <a:spcPct val="90000"/>
+                </a:lnSpc>
+                <a:spcBef>
+                  <a:spcPct val="0"/>
+                </a:spcBef>
+                <a:spcAft>
+                  <a:spcPct val="0"/>
+                </a:spcAft>
+              </a:pPr>
+              <a:endParaRPr lang="en-US" sz="2307" dirty="0" err="1">
+                <a:gradFill>
+                  <a:gsLst>
+                    <a:gs pos="0">
+                      <a:srgbClr val="FFFFFF"/>
+                    </a:gs>
+                    <a:gs pos="100000">
+                      <a:srgbClr val="FFFFFF"/>
+                    </a:gs>
+                  </a:gsLst>
+                  <a:lin ang="5400000" scaled="0"/>
+                </a:gradFill>
+                <a:ea typeface="Segoe UI" pitchFamily="34" charset="0"/>
+                <a:cs typeface="Segoe UI" pitchFamily="34" charset="0"/>
+              </a:endParaRPr>
+            </a:p>
+          </p:txBody>
+        </p:sp>
+        <p:sp>
+          <p:nvSpPr>
+            <p:cNvPr id="96" name="Right Arrow 95"/>
+            <p:cNvSpPr/>
+            <p:nvPr/>
+          </p:nvSpPr>
+          <p:spPr bwMode="auto">
+            <a:xfrm flipH="1">
+              <a:off x="5543318" y="2456108"/>
+              <a:ext cx="667558" cy="303871"/>
+            </a:xfrm>
+            <a:prstGeom prst="rightArrow">
+              <a:avLst/>
+            </a:prstGeom>
+            <a:solidFill>
+              <a:srgbClr val="FFC000"/>
+            </a:solidFill>
+            <a:ln>
+              <a:noFill/>
+              <a:headEnd type="none" w="med" len="med"/>
+              <a:tailEnd type="none" w="med" len="med"/>
+            </a:ln>
+            <a:effectLst/>
+          </p:spPr>
+          <p:style>
+            <a:lnRef idx="1">
+              <a:schemeClr val="accent2"/>
+            </a:lnRef>
+            <a:fillRef idx="3">
+              <a:schemeClr val="accent2"/>
+            </a:fillRef>
+            <a:effectRef idx="2">
+              <a:schemeClr val="accent2"/>
+            </a:effectRef>
+            <a:fontRef idx="minor">
+              <a:schemeClr val="lt1"/>
+            </a:fontRef>
+          </p:style>
+          <p:txBody>
+            <a:bodyPr rot="0" spcFirstLastPara="0" vertOverflow="overflow" horzOverflow="overflow" vert="horz" wrap="square" lIns="175761" tIns="140609" rIns="175761" bIns="140609" numCol="1" spcCol="0" rtlCol="0" fromWordArt="0" anchor="t" anchorCtr="0" forceAA="0" compatLnSpc="1">
+              <a:prstTxWarp prst="textNoShape">
+                <a:avLst/>
+              </a:prstTxWarp>
+              <a:noAutofit/>
+            </a:bodyPr>
+            <a:lstStyle/>
+            <a:p>
+              <a:pPr algn="ctr" defTabSz="896094" fontAlgn="base">
+                <a:lnSpc>
+                  <a:spcPct val="90000"/>
+                </a:lnSpc>
+                <a:spcBef>
+                  <a:spcPct val="0"/>
+                </a:spcBef>
+                <a:spcAft>
+                  <a:spcPct val="0"/>
+                </a:spcAft>
+              </a:pPr>
+              <a:endParaRPr lang="en-US" sz="2307" dirty="0" err="1">
+                <a:gradFill>
+                  <a:gsLst>
+                    <a:gs pos="0">
+                      <a:srgbClr val="FFFFFF"/>
+                    </a:gs>
+                    <a:gs pos="100000">
+                      <a:srgbClr val="FFFFFF"/>
+                    </a:gs>
+                  </a:gsLst>
+                  <a:lin ang="5400000" scaled="0"/>
+                </a:gradFill>
+                <a:ea typeface="Segoe UI" pitchFamily="34" charset="0"/>
+                <a:cs typeface="Segoe UI" pitchFamily="34" charset="0"/>
+              </a:endParaRPr>
+            </a:p>
+          </p:txBody>
+        </p:sp>
+        <p:sp>
+          <p:nvSpPr>
+            <p:cNvPr id="69" name="TextBox 68"/>
+            <p:cNvSpPr txBox="1"/>
+            <p:nvPr/>
+          </p:nvSpPr>
+          <p:spPr>
+            <a:xfrm>
+              <a:off x="4928600" y="1501167"/>
+              <a:ext cx="1896994" cy="664797"/>
+            </a:xfrm>
+            <a:prstGeom prst="rect">
+              <a:avLst/>
+            </a:prstGeom>
+            <a:noFill/>
+          </p:spPr>
+          <p:txBody>
+            <a:bodyPr wrap="none" lIns="179285" tIns="143428" rIns="179285" bIns="143428" rtlCol="0">
+              <a:spAutoFit/>
+            </a:bodyPr>
+            <a:lstStyle/>
+            <a:p>
+              <a:pPr defTabSz="896155">
+                <a:tabLst>
+                  <a:tab pos="878501" algn="l"/>
+                </a:tabLst>
+                <a:defRPr/>
+              </a:pPr>
+              <a:r>
+                <a:rPr lang="en-US" sz="2353" dirty="0">
+                  <a:solidFill>
+                    <a:srgbClr val="FFFFFF"/>
+                  </a:solidFill>
+                  <a:latin typeface="Segoe UI Light"/>
+                </a:rPr>
+                <a:t>Offline </a:t>
+              </a:r>
+              <a:r>
+                <a:rPr lang="en-US" sz="2353" dirty="0">
+                  <a:solidFill>
+                    <a:srgbClr val="FFFFFF"/>
+                  </a:solidFill>
+                  <a:latin typeface="Segoe UI Light"/>
+                </a:rPr>
+                <a:t>Sync</a:t>
+              </a:r>
+              <a:endParaRPr lang="en-US" sz="2353" dirty="0">
+                <a:solidFill>
+                  <a:srgbClr val="FFFFFF"/>
+                </a:solidFill>
+                <a:latin typeface="Segoe UI Light"/>
+              </a:endParaRPr>
+            </a:p>
+          </p:txBody>
+        </p:sp>
+      </p:grpSp>
     </p:spTree>
     <p:extLst>
       <p:ext uri="{BB962C8B-B14F-4D97-AF65-F5344CB8AC3E}">
-        <p14:creationId xmlns:p14="http://schemas.microsoft.com/office/powerpoint/2010/main" val="3206151409"/>
+        <p14:creationId xmlns:p14="http://schemas.microsoft.com/office/powerpoint/2010/main" val="1507422"/>
       </p:ext>
     </p:extLst>
   </p:cSld>
   <p:clrMapOvr>
     <a:masterClrMapping/>
   </p:clrMapOvr>
-  <p:transition>
-    <p:fade/>
-  </p:transition>
+  <mc:AlternateContent xmlns:mc="http://schemas.openxmlformats.org/markup-compatibility/2006" xmlns:p14="http://schemas.microsoft.com/office/powerpoint/2010/main">
+    <mc:Choice Requires="p14">
+      <p:transition spd="med" p14:dur="700">
+        <p:fade/>
+      </p:transition>
+    </mc:Choice>
+    <mc:Fallback xmlns="">
+      <p:transition spd="med">
+        <p:fade/>
+      </p:transition>
+    </mc:Fallback>
+  </mc:AlternateContent>
   <p:timing>
     <p:tnLst>
       <p:par>
-        <p:cTn id="1" dur="indefinite" restart="never" nodeType="tmRoot"/>
+        <p:cTn id="1" dur="indefinite" restart="never" nodeType="tmRoot">
+          <p:childTnLst>
+            <p:seq concurrent="1" nextAc="seek">
+              <p:cTn id="2" dur="indefinite" nodeType="mainSeq">
+                <p:childTnLst>
+                  <p:par>
+                    <p:cTn id="3" fill="hold">
+                      <p:stCondLst>
+                        <p:cond delay="indefinite"/>
+                      </p:stCondLst>
+                      <p:childTnLst>
+                        <p:par>
+                          <p:cTn id="4" fill="hold">
+                            <p:stCondLst>
+                              <p:cond delay="0"/>
+                            </p:stCondLst>
+                            <p:childTnLst>
+                              <p:par>
+                                <p:cTn id="5" presetID="9" presetClass="entr" presetSubtype="0" fill="hold" nodeType="clickEffect">
+                                  <p:stCondLst>
+                                    <p:cond delay="0"/>
+                                  </p:stCondLst>
+                                  <p:childTnLst>
+                                    <p:set>
+                                      <p:cBhvr>
+                                        <p:cTn id="6" dur="1" fill="hold">
+                                          <p:stCondLst>
+                                            <p:cond delay="0"/>
+                                          </p:stCondLst>
+                                        </p:cTn>
+                                        <p:tgtEl>
+                                          <p:spTgt spid="68"/>
+                                        </p:tgtEl>
+                                        <p:attrNameLst>
+                                          <p:attrName>style.visibility</p:attrName>
+                                        </p:attrNameLst>
+                                      </p:cBhvr>
+                                      <p:to>
+                                        <p:strVal val="visible"/>
+                                      </p:to>
+                                    </p:set>
+                                    <p:animEffect transition="in" filter="dissolve">
+                                      <p:cBhvr>
+                                        <p:cTn id="7" dur="500"/>
+                                        <p:tgtEl>
+                                          <p:spTgt spid="68"/>
+                                        </p:tgtEl>
+                                      </p:cBhvr>
+                                    </p:animEffect>
+                                  </p:childTnLst>
+                                </p:cTn>
+                              </p:par>
+                              <p:par>
+                                <p:cTn id="8" presetID="9" presetClass="entr" presetSubtype="0" fill="hold" nodeType="withEffect">
+                                  <p:stCondLst>
+                                    <p:cond delay="0"/>
+                                  </p:stCondLst>
+                                  <p:childTnLst>
+                                    <p:set>
+                                      <p:cBhvr>
+                                        <p:cTn id="9" dur="1" fill="hold">
+                                          <p:stCondLst>
+                                            <p:cond delay="0"/>
+                                          </p:stCondLst>
+                                        </p:cTn>
+                                        <p:tgtEl>
+                                          <p:spTgt spid="70"/>
+                                        </p:tgtEl>
+                                        <p:attrNameLst>
+                                          <p:attrName>style.visibility</p:attrName>
+                                        </p:attrNameLst>
+                                      </p:cBhvr>
+                                      <p:to>
+                                        <p:strVal val="visible"/>
+                                      </p:to>
+                                    </p:set>
+                                    <p:animEffect transition="in" filter="dissolve">
+                                      <p:cBhvr>
+                                        <p:cTn id="10" dur="500"/>
+                                        <p:tgtEl>
+                                          <p:spTgt spid="70"/>
+                                        </p:tgtEl>
+                                      </p:cBhvr>
+                                    </p:animEffect>
+                                  </p:childTnLst>
+                                </p:cTn>
+                              </p:par>
+                            </p:childTnLst>
+                          </p:cTn>
+                        </p:par>
+                      </p:childTnLst>
+                    </p:cTn>
+                  </p:par>
+                  <p:par>
+                    <p:cTn id="11" fill="hold">
+                      <p:stCondLst>
+                        <p:cond delay="indefinite"/>
+                      </p:stCondLst>
+                      <p:childTnLst>
+                        <p:par>
+                          <p:cTn id="12" fill="hold">
+                            <p:stCondLst>
+                              <p:cond delay="0"/>
+                            </p:stCondLst>
+                            <p:childTnLst>
+                              <p:par>
+                                <p:cTn id="13" presetID="47" presetClass="entr" presetSubtype="0" fill="hold" nodeType="clickEffect">
+                                  <p:stCondLst>
+                                    <p:cond delay="0"/>
+                                  </p:stCondLst>
+                                  <p:childTnLst>
+                                    <p:set>
+                                      <p:cBhvr>
+                                        <p:cTn id="14" dur="1" fill="hold">
+                                          <p:stCondLst>
+                                            <p:cond delay="0"/>
+                                          </p:stCondLst>
+                                        </p:cTn>
+                                        <p:tgtEl>
+                                          <p:spTgt spid="66"/>
+                                        </p:tgtEl>
+                                        <p:attrNameLst>
+                                          <p:attrName>style.visibility</p:attrName>
+                                        </p:attrNameLst>
+                                      </p:cBhvr>
+                                      <p:to>
+                                        <p:strVal val="visible"/>
+                                      </p:to>
+                                    </p:set>
+                                    <p:animEffect transition="in" filter="fade">
+                                      <p:cBhvr>
+                                        <p:cTn id="15" dur="1000"/>
+                                        <p:tgtEl>
+                                          <p:spTgt spid="66"/>
+                                        </p:tgtEl>
+                                      </p:cBhvr>
+                                    </p:animEffect>
+                                    <p:anim calcmode="lin" valueType="num">
+                                      <p:cBhvr>
+                                        <p:cTn id="16" dur="1000" fill="hold"/>
+                                        <p:tgtEl>
+                                          <p:spTgt spid="66"/>
+                                        </p:tgtEl>
+                                        <p:attrNameLst>
+                                          <p:attrName>ppt_x</p:attrName>
+                                        </p:attrNameLst>
+                                      </p:cBhvr>
+                                      <p:tavLst>
+                                        <p:tav tm="0">
+                                          <p:val>
+                                            <p:strVal val="#ppt_x"/>
+                                          </p:val>
+                                        </p:tav>
+                                        <p:tav tm="100000">
+                                          <p:val>
+                                            <p:strVal val="#ppt_x"/>
+                                          </p:val>
+                                        </p:tav>
+                                      </p:tavLst>
+                                    </p:anim>
+                                    <p:anim calcmode="lin" valueType="num">
+                                      <p:cBhvr>
+                                        <p:cTn id="17" dur="1000" fill="hold"/>
+                                        <p:tgtEl>
+                                          <p:spTgt spid="66"/>
+                                        </p:tgtEl>
+                                        <p:attrNameLst>
+                                          <p:attrName>ppt_y</p:attrName>
+                                        </p:attrNameLst>
+                                      </p:cBhvr>
+                                      <p:tavLst>
+                                        <p:tav tm="0">
+                                          <p:val>
+                                            <p:strVal val="#ppt_y-.1"/>
+                                          </p:val>
+                                        </p:tav>
+                                        <p:tav tm="100000">
+                                          <p:val>
+                                            <p:strVal val="#ppt_y"/>
+                                          </p:val>
+                                        </p:tav>
+                                      </p:tavLst>
+                                    </p:anim>
+                                  </p:childTnLst>
+                                </p:cTn>
+                              </p:par>
+                            </p:childTnLst>
+                          </p:cTn>
+                        </p:par>
+                      </p:childTnLst>
+                    </p:cTn>
+                  </p:par>
+                  <p:par>
+                    <p:cTn id="18" fill="hold">
+                      <p:stCondLst>
+                        <p:cond delay="indefinite"/>
+                      </p:stCondLst>
+                      <p:childTnLst>
+                        <p:par>
+                          <p:cTn id="19" fill="hold">
+                            <p:stCondLst>
+                              <p:cond delay="0"/>
+                            </p:stCondLst>
+                            <p:childTnLst>
+                              <p:par>
+                                <p:cTn id="20" presetID="6" presetClass="emph" presetSubtype="0" fill="hold" nodeType="clickEffect">
+                                  <p:stCondLst>
+                                    <p:cond delay="0"/>
+                                  </p:stCondLst>
+                                  <p:childTnLst>
+                                    <p:animScale>
+                                      <p:cBhvr>
+                                        <p:cTn id="21" dur="1750" fill="hold"/>
+                                        <p:tgtEl>
+                                          <p:spTgt spid="66"/>
+                                        </p:tgtEl>
+                                      </p:cBhvr>
+                                      <p:by x="110000" y="110000"/>
+                                    </p:animScale>
+                                  </p:childTnLst>
+                                </p:cTn>
+                              </p:par>
+                            </p:childTnLst>
+                          </p:cTn>
+                        </p:par>
+                      </p:childTnLst>
+                    </p:cTn>
+                  </p:par>
+                </p:childTnLst>
+              </p:cTn>
+              <p:prevCondLst>
+                <p:cond evt="onPrev" delay="0">
+                  <p:tgtEl>
+                    <p:sldTgt/>
+                  </p:tgtEl>
+                </p:cond>
+              </p:prevCondLst>
+              <p:nextCondLst>
+                <p:cond evt="onNext" delay="0">
+                  <p:tgtEl>
+                    <p:sldTgt/>
+                  </p:tgtEl>
+                </p:cond>
+              </p:nextCondLst>
+            </p:seq>
+          </p:childTnLst>
+        </p:cTn>
       </p:par>
     </p:tnLst>
   </p:timing>
@@ -50046,11 +54204,7 @@
           <a:p>
             <a:r>
               <a:rPr lang="en-US" dirty="0" smtClean="0"/>
-              <a:t>Azure </a:t>
-            </a:r>
-            <a:r>
-              <a:rPr lang="en-US" dirty="0" smtClean="0"/>
-              <a:t>Mobile App offline sync</a:t>
+              <a:t>Azure Mobile App offline sync</a:t>
             </a:r>
             <a:endParaRPr lang="en-US" dirty="0"/>
           </a:p>
